--- a/WeAreDevs.pptx
+++ b/WeAreDevs.pptx
@@ -13,7 +13,7 @@
     <p:sldId id="262" r:id="rId4"/>
     <p:sldId id="1412" r:id="rId5"/>
     <p:sldId id="272" r:id="rId6"/>
-    <p:sldId id="1407" r:id="rId7"/>
+    <p:sldId id="1413" r:id="rId7"/>
     <p:sldId id="1411" r:id="rId8"/>
     <p:sldId id="257" r:id="rId9"/>
   </p:sldIdLst>
@@ -212,7 +212,7 @@
           <a:p>
             <a:fld id="{4728F314-67F9-4390-932A-180A6F8F2BBD}" type="datetimeFigureOut">
               <a:rPr lang="de-DE" smtClean="0"/>
-              <a:t>12.06.2022</a:t>
+              <a:t>13.06.2022</a:t>
             </a:fld>
             <a:endParaRPr lang="de-DE"/>
           </a:p>
@@ -371,7 +371,7 @@
           <a:p>
             <a:fld id="{7895DBF9-128F-47E3-BC15-68F64B2EE63B}" type="slidenum">
               <a:rPr lang="de-DE" smtClean="0"/>
-              <a:t>‹#›</a:t>
+              <a:t>‹Nr.›</a:t>
             </a:fld>
             <a:endParaRPr lang="de-DE"/>
           </a:p>
@@ -499,7 +499,7 @@
       </p:grpSpPr>
       <p:sp>
         <p:nvSpPr>
-          <p:cNvPr id="2" name="Slide Image Placeholder 1"/>
+          <p:cNvPr id="2" name="Folienbildplatzhalter 1"/>
           <p:cNvSpPr>
             <a:spLocks noGrp="1" noRot="1" noChangeAspect="1"/>
           </p:cNvSpPr>
@@ -511,7 +511,7 @@
       </p:sp>
       <p:sp>
         <p:nvSpPr>
-          <p:cNvPr id="3" name="Notes Placeholder 2"/>
+          <p:cNvPr id="3" name="Notizenplatzhalter 2"/>
           <p:cNvSpPr>
             <a:spLocks noGrp="1"/>
           </p:cNvSpPr>
@@ -524,93 +524,13 @@
           <a:bodyPr/>
           <a:lstStyle/>
           <a:p>
-            <a:r>
-              <a:rPr lang="de-DE" dirty="0"/>
-              <a:t>Vue2 </a:t>
-            </a:r>
-            <a:r>
-              <a:rPr lang="de-DE" dirty="0" err="1"/>
-              <a:t>vs</a:t>
-            </a:r>
-            <a:r>
-              <a:rPr lang="de-DE" dirty="0"/>
-              <a:t> Vue3, Community Support</a:t>
-            </a:r>
-          </a:p>
-          <a:p>
-            <a:r>
-              <a:rPr lang="de-DE" dirty="0" err="1"/>
-              <a:t>Available</a:t>
-            </a:r>
-            <a:r>
-              <a:rPr lang="de-DE" dirty="0"/>
-              <a:t> Libraries and Starter Kits</a:t>
-            </a:r>
-          </a:p>
-          <a:p>
-            <a:r>
-              <a:rPr lang="de-DE" dirty="0" err="1"/>
-              <a:t>Etc</a:t>
-            </a:r>
-            <a:r>
-              <a:rPr lang="de-DE" dirty="0"/>
-              <a:t> etc…</a:t>
-            </a:r>
-          </a:p>
-          <a:p>
             <a:endParaRPr lang="de-DE" dirty="0"/>
-          </a:p>
-          <a:p>
-            <a:r>
-              <a:rPr lang="de-DE" dirty="0"/>
-              <a:t>New </a:t>
-            </a:r>
-            <a:r>
-              <a:rPr lang="de-DE" dirty="0" err="1"/>
-              <a:t>tech</a:t>
-            </a:r>
-            <a:r>
-              <a:rPr lang="de-DE" dirty="0"/>
-              <a:t> </a:t>
-            </a:r>
-            <a:r>
-              <a:rPr lang="de-DE" dirty="0" err="1"/>
-              <a:t>is</a:t>
-            </a:r>
-            <a:r>
-              <a:rPr lang="de-DE" dirty="0"/>
-              <a:t> </a:t>
-            </a:r>
-            <a:r>
-              <a:rPr lang="de-DE" dirty="0" err="1"/>
-              <a:t>great</a:t>
-            </a:r>
-            <a:r>
-              <a:rPr lang="de-DE" dirty="0"/>
-              <a:t>, but </a:t>
-            </a:r>
-            <a:r>
-              <a:rPr lang="de-DE" dirty="0" err="1"/>
-              <a:t>give</a:t>
-            </a:r>
-            <a:r>
-              <a:rPr lang="de-DE" dirty="0"/>
-              <a:t> </a:t>
-            </a:r>
-            <a:r>
-              <a:rPr lang="de-DE" dirty="0" err="1"/>
-              <a:t>it</a:t>
-            </a:r>
-            <a:r>
-              <a:rPr lang="de-DE" dirty="0"/>
-              <a:t> time!</a:t>
-            </a:r>
           </a:p>
         </p:txBody>
       </p:sp>
       <p:sp>
         <p:nvSpPr>
-          <p:cNvPr id="4" name="Slide Number Placeholder 3"/>
+          <p:cNvPr id="4" name="Foliennummernplatzhalter 3"/>
           <p:cNvSpPr>
             <a:spLocks noGrp="1"/>
           </p:cNvSpPr>
@@ -625,7 +545,7 @@
           <a:p>
             <a:fld id="{7895DBF9-128F-47E3-BC15-68F64B2EE63B}" type="slidenum">
               <a:rPr lang="de-DE" smtClean="0"/>
-              <a:t>4</a:t>
+              <a:t>1</a:t>
             </a:fld>
             <a:endParaRPr lang="de-DE"/>
           </a:p>
@@ -634,7 +554,7 @@
     </p:spTree>
     <p:extLst>
       <p:ext uri="{BB962C8B-B14F-4D97-AF65-F5344CB8AC3E}">
-        <p14:creationId xmlns:p14="http://schemas.microsoft.com/office/powerpoint/2010/main" val="2090077282"/>
+        <p14:creationId xmlns:p14="http://schemas.microsoft.com/office/powerpoint/2010/main" val="1169922101"/>
       </p:ext>
     </p:extLst>
   </p:cSld>
@@ -770,80 +690,6 @@
               <a:t> time!</a:t>
             </a:r>
           </a:p>
-          <a:p>
-            <a:endParaRPr lang="de-DE" dirty="0"/>
-          </a:p>
-          <a:p>
-            <a:r>
-              <a:rPr lang="de-DE" dirty="0"/>
-              <a:t>Small </a:t>
-            </a:r>
-            <a:r>
-              <a:rPr lang="de-DE" dirty="0" err="1"/>
-              <a:t>challenge</a:t>
-            </a:r>
-            <a:r>
-              <a:rPr lang="de-DE" dirty="0"/>
-              <a:t> </a:t>
-            </a:r>
-            <a:r>
-              <a:rPr lang="de-DE" dirty="0" err="1"/>
-              <a:t>with</a:t>
-            </a:r>
-            <a:r>
-              <a:rPr lang="de-DE" dirty="0"/>
-              <a:t> a friend, vue2 </a:t>
-            </a:r>
-            <a:r>
-              <a:rPr lang="de-DE" dirty="0" err="1"/>
-              <a:t>vs</a:t>
-            </a:r>
-            <a:r>
-              <a:rPr lang="de-DE" dirty="0"/>
-              <a:t> vue3</a:t>
-            </a:r>
-          </a:p>
-          <a:p>
-            <a:endParaRPr lang="de-DE" dirty="0"/>
-          </a:p>
-          <a:p>
-            <a:r>
-              <a:rPr lang="de-DE" dirty="0"/>
-              <a:t>Community and Open Source </a:t>
-            </a:r>
-            <a:r>
-              <a:rPr lang="de-DE" dirty="0" err="1"/>
-              <a:t>is</a:t>
-            </a:r>
-            <a:r>
-              <a:rPr lang="de-DE" dirty="0"/>
-              <a:t> </a:t>
-            </a:r>
-            <a:r>
-              <a:rPr lang="de-DE" dirty="0" err="1"/>
-              <a:t>key</a:t>
-            </a:r>
-            <a:r>
-              <a:rPr lang="de-DE" dirty="0"/>
-              <a:t> </a:t>
-            </a:r>
-            <a:r>
-              <a:rPr lang="de-DE" dirty="0" err="1"/>
-              <a:t>to</a:t>
-            </a:r>
-            <a:r>
-              <a:rPr lang="de-DE" dirty="0"/>
-              <a:t> </a:t>
-            </a:r>
-            <a:r>
-              <a:rPr lang="de-DE" dirty="0" err="1"/>
-              <a:t>performance</a:t>
-            </a:r>
-            <a:r>
-              <a:rPr lang="de-DE" dirty="0"/>
-              <a:t>!</a:t>
-            </a:r>
-          </a:p>
         </p:txBody>
       </p:sp>
       <p:sp>
@@ -863,6 +709,244 @@
           <a:p>
             <a:fld id="{7895DBF9-128F-47E3-BC15-68F64B2EE63B}" type="slidenum">
               <a:rPr lang="de-DE" smtClean="0"/>
+              <a:t>4</a:t>
+            </a:fld>
+            <a:endParaRPr lang="de-DE"/>
+          </a:p>
+        </p:txBody>
+      </p:sp>
+    </p:spTree>
+    <p:extLst>
+      <p:ext uri="{BB962C8B-B14F-4D97-AF65-F5344CB8AC3E}">
+        <p14:creationId xmlns:p14="http://schemas.microsoft.com/office/powerpoint/2010/main" val="2090077282"/>
+      </p:ext>
+    </p:extLst>
+  </p:cSld>
+  <p:clrMapOvr>
+    <a:masterClrMapping/>
+  </p:clrMapOvr>
+</p:notes>
+</file>
+
+<file path=ppt/notesSlides/notesSlide3.xml><?xml version="1.0" encoding="utf-8"?>
+<p:notes xmlns:a="http://schemas.openxmlformats.org/drawingml/2006/main" xmlns:r="http://schemas.openxmlformats.org/officeDocument/2006/relationships" xmlns:p="http://schemas.openxmlformats.org/presentationml/2006/main">
+  <p:cSld>
+    <p:spTree>
+      <p:nvGrpSpPr>
+        <p:cNvPr id="1" name=""/>
+        <p:cNvGrpSpPr/>
+        <p:nvPr/>
+      </p:nvGrpSpPr>
+      <p:grpSpPr>
+        <a:xfrm>
+          <a:off x="0" y="0"/>
+          <a:ext cx="0" cy="0"/>
+          <a:chOff x="0" y="0"/>
+          <a:chExt cx="0" cy="0"/>
+        </a:xfrm>
+      </p:grpSpPr>
+      <p:sp>
+        <p:nvSpPr>
+          <p:cNvPr id="2" name="Slide Image Placeholder 1"/>
+          <p:cNvSpPr>
+            <a:spLocks noGrp="1" noRot="1" noChangeAspect="1"/>
+          </p:cNvSpPr>
+          <p:nvPr>
+            <p:ph type="sldImg"/>
+          </p:nvPr>
+        </p:nvSpPr>
+        <p:spPr/>
+      </p:sp>
+      <p:sp>
+        <p:nvSpPr>
+          <p:cNvPr id="3" name="Notes Placeholder 2"/>
+          <p:cNvSpPr>
+            <a:spLocks noGrp="1"/>
+          </p:cNvSpPr>
+          <p:nvPr>
+            <p:ph type="body" idx="1"/>
+          </p:nvPr>
+        </p:nvSpPr>
+        <p:spPr/>
+        <p:txBody>
+          <a:bodyPr/>
+          <a:lstStyle/>
+          <a:p>
+            <a:r>
+              <a:rPr lang="de-DE" dirty="0"/>
+              <a:t>Vue2 </a:t>
+            </a:r>
+            <a:r>
+              <a:rPr lang="de-DE" dirty="0" err="1"/>
+              <a:t>vs</a:t>
+            </a:r>
+            <a:r>
+              <a:rPr lang="de-DE" dirty="0"/>
+              <a:t> Vue3, Community Support</a:t>
+            </a:r>
+          </a:p>
+          <a:p>
+            <a:r>
+              <a:rPr lang="de-DE" dirty="0" err="1"/>
+              <a:t>Available</a:t>
+            </a:r>
+            <a:r>
+              <a:rPr lang="de-DE" dirty="0"/>
+              <a:t> Libraries and Starter Kits</a:t>
+            </a:r>
+          </a:p>
+          <a:p>
+            <a:r>
+              <a:rPr lang="de-DE" dirty="0" err="1"/>
+              <a:t>Etc</a:t>
+            </a:r>
+            <a:r>
+              <a:rPr lang="de-DE" dirty="0"/>
+              <a:t> etc…</a:t>
+            </a:r>
+          </a:p>
+          <a:p>
+            <a:endParaRPr lang="de-DE" dirty="0"/>
+          </a:p>
+          <a:p>
+            <a:r>
+              <a:rPr lang="de-DE" dirty="0"/>
+              <a:t>New </a:t>
+            </a:r>
+            <a:r>
+              <a:rPr lang="de-DE" dirty="0" err="1"/>
+              <a:t>tech</a:t>
+            </a:r>
+            <a:r>
+              <a:rPr lang="de-DE" dirty="0"/>
+              <a:t> </a:t>
+            </a:r>
+            <a:r>
+              <a:rPr lang="de-DE" dirty="0" err="1"/>
+              <a:t>is</a:t>
+            </a:r>
+            <a:r>
+              <a:rPr lang="de-DE" dirty="0"/>
+              <a:t> </a:t>
+            </a:r>
+            <a:r>
+              <a:rPr lang="de-DE" dirty="0" err="1"/>
+              <a:t>great</a:t>
+            </a:r>
+            <a:r>
+              <a:rPr lang="de-DE" dirty="0"/>
+              <a:t>, but </a:t>
+            </a:r>
+            <a:r>
+              <a:rPr lang="de-DE" dirty="0" err="1"/>
+              <a:t>give</a:t>
+            </a:r>
+            <a:r>
+              <a:rPr lang="de-DE" dirty="0"/>
+              <a:t> </a:t>
+            </a:r>
+            <a:r>
+              <a:rPr lang="de-DE" dirty="0" err="1"/>
+              <a:t>it</a:t>
+            </a:r>
+            <a:r>
+              <a:rPr lang="de-DE" dirty="0"/>
+              <a:t> time!</a:t>
+            </a:r>
+          </a:p>
+          <a:p>
+            <a:endParaRPr lang="de-DE" dirty="0"/>
+          </a:p>
+          <a:p>
+            <a:r>
+              <a:rPr lang="de-DE" dirty="0"/>
+              <a:t>Small </a:t>
+            </a:r>
+            <a:r>
+              <a:rPr lang="de-DE" dirty="0" err="1"/>
+              <a:t>challenge</a:t>
+            </a:r>
+            <a:r>
+              <a:rPr lang="de-DE" dirty="0"/>
+              <a:t> </a:t>
+            </a:r>
+            <a:r>
+              <a:rPr lang="de-DE" dirty="0" err="1"/>
+              <a:t>with</a:t>
+            </a:r>
+            <a:r>
+              <a:rPr lang="de-DE" dirty="0"/>
+              <a:t> a friend, vue2 </a:t>
+            </a:r>
+            <a:r>
+              <a:rPr lang="de-DE" dirty="0" err="1"/>
+              <a:t>vs</a:t>
+            </a:r>
+            <a:r>
+              <a:rPr lang="de-DE" dirty="0"/>
+              <a:t> vue3</a:t>
+            </a:r>
+          </a:p>
+          <a:p>
+            <a:endParaRPr lang="de-DE" dirty="0"/>
+          </a:p>
+          <a:p>
+            <a:r>
+              <a:rPr lang="de-DE" dirty="0"/>
+              <a:t>Community and Open Source </a:t>
+            </a:r>
+            <a:r>
+              <a:rPr lang="de-DE" dirty="0" err="1"/>
+              <a:t>is</a:t>
+            </a:r>
+            <a:r>
+              <a:rPr lang="de-DE" dirty="0"/>
+              <a:t> </a:t>
+            </a:r>
+            <a:r>
+              <a:rPr lang="de-DE" dirty="0" err="1"/>
+              <a:t>key</a:t>
+            </a:r>
+            <a:r>
+              <a:rPr lang="de-DE" dirty="0"/>
+              <a:t> </a:t>
+            </a:r>
+            <a:r>
+              <a:rPr lang="de-DE" dirty="0" err="1"/>
+              <a:t>to</a:t>
+            </a:r>
+            <a:r>
+              <a:rPr lang="de-DE" dirty="0"/>
+              <a:t> </a:t>
+            </a:r>
+            <a:r>
+              <a:rPr lang="de-DE" dirty="0" err="1"/>
+              <a:t>performance</a:t>
+            </a:r>
+            <a:r>
+              <a:rPr lang="de-DE" dirty="0"/>
+              <a:t>!</a:t>
+            </a:r>
+          </a:p>
+        </p:txBody>
+      </p:sp>
+      <p:sp>
+        <p:nvSpPr>
+          <p:cNvPr id="4" name="Slide Number Placeholder 3"/>
+          <p:cNvSpPr>
+            <a:spLocks noGrp="1"/>
+          </p:cNvSpPr>
+          <p:nvPr>
+            <p:ph type="sldNum" sz="quarter" idx="5"/>
+          </p:nvPr>
+        </p:nvSpPr>
+        <p:spPr/>
+        <p:txBody>
+          <a:bodyPr/>
+          <a:lstStyle/>
+          <a:p>
+            <a:fld id="{7895DBF9-128F-47E3-BC15-68F64B2EE63B}" type="slidenum">
+              <a:rPr lang="de-DE" smtClean="0"/>
               <a:t>5</a:t>
             </a:fld>
             <a:endParaRPr lang="de-DE"/>
@@ -873,6 +957,244 @@
     <p:extLst>
       <p:ext uri="{BB962C8B-B14F-4D97-AF65-F5344CB8AC3E}">
         <p14:creationId xmlns:p14="http://schemas.microsoft.com/office/powerpoint/2010/main" val="2190505950"/>
+      </p:ext>
+    </p:extLst>
+  </p:cSld>
+  <p:clrMapOvr>
+    <a:masterClrMapping/>
+  </p:clrMapOvr>
+</p:notes>
+</file>
+
+<file path=ppt/notesSlides/notesSlide4.xml><?xml version="1.0" encoding="utf-8"?>
+<p:notes xmlns:a="http://schemas.openxmlformats.org/drawingml/2006/main" xmlns:r="http://schemas.openxmlformats.org/officeDocument/2006/relationships" xmlns:p="http://schemas.openxmlformats.org/presentationml/2006/main">
+  <p:cSld>
+    <p:spTree>
+      <p:nvGrpSpPr>
+        <p:cNvPr id="1" name=""/>
+        <p:cNvGrpSpPr/>
+        <p:nvPr/>
+      </p:nvGrpSpPr>
+      <p:grpSpPr>
+        <a:xfrm>
+          <a:off x="0" y="0"/>
+          <a:ext cx="0" cy="0"/>
+          <a:chOff x="0" y="0"/>
+          <a:chExt cx="0" cy="0"/>
+        </a:xfrm>
+      </p:grpSpPr>
+      <p:sp>
+        <p:nvSpPr>
+          <p:cNvPr id="2" name="Slide Image Placeholder 1"/>
+          <p:cNvSpPr>
+            <a:spLocks noGrp="1" noRot="1" noChangeAspect="1"/>
+          </p:cNvSpPr>
+          <p:nvPr>
+            <p:ph type="sldImg"/>
+          </p:nvPr>
+        </p:nvSpPr>
+        <p:spPr/>
+      </p:sp>
+      <p:sp>
+        <p:nvSpPr>
+          <p:cNvPr id="3" name="Notes Placeholder 2"/>
+          <p:cNvSpPr>
+            <a:spLocks noGrp="1"/>
+          </p:cNvSpPr>
+          <p:nvPr>
+            <p:ph type="body" idx="1"/>
+          </p:nvPr>
+        </p:nvSpPr>
+        <p:spPr/>
+        <p:txBody>
+          <a:bodyPr/>
+          <a:lstStyle/>
+          <a:p>
+            <a:r>
+              <a:rPr lang="de-DE" dirty="0"/>
+              <a:t>Vue2 </a:t>
+            </a:r>
+            <a:r>
+              <a:rPr lang="de-DE" dirty="0" err="1"/>
+              <a:t>vs</a:t>
+            </a:r>
+            <a:r>
+              <a:rPr lang="de-DE" dirty="0"/>
+              <a:t> Vue3, Community Support</a:t>
+            </a:r>
+          </a:p>
+          <a:p>
+            <a:r>
+              <a:rPr lang="de-DE" dirty="0" err="1"/>
+              <a:t>Available</a:t>
+            </a:r>
+            <a:r>
+              <a:rPr lang="de-DE" dirty="0"/>
+              <a:t> Libraries and Starter Kits</a:t>
+            </a:r>
+          </a:p>
+          <a:p>
+            <a:r>
+              <a:rPr lang="de-DE" dirty="0" err="1"/>
+              <a:t>Etc</a:t>
+            </a:r>
+            <a:r>
+              <a:rPr lang="de-DE" dirty="0"/>
+              <a:t> etc…</a:t>
+            </a:r>
+          </a:p>
+          <a:p>
+            <a:endParaRPr lang="de-DE" dirty="0"/>
+          </a:p>
+          <a:p>
+            <a:r>
+              <a:rPr lang="de-DE" dirty="0"/>
+              <a:t>New </a:t>
+            </a:r>
+            <a:r>
+              <a:rPr lang="de-DE" dirty="0" err="1"/>
+              <a:t>tech</a:t>
+            </a:r>
+            <a:r>
+              <a:rPr lang="de-DE" dirty="0"/>
+              <a:t> </a:t>
+            </a:r>
+            <a:r>
+              <a:rPr lang="de-DE" dirty="0" err="1"/>
+              <a:t>is</a:t>
+            </a:r>
+            <a:r>
+              <a:rPr lang="de-DE" dirty="0"/>
+              <a:t> </a:t>
+            </a:r>
+            <a:r>
+              <a:rPr lang="de-DE" dirty="0" err="1"/>
+              <a:t>great</a:t>
+            </a:r>
+            <a:r>
+              <a:rPr lang="de-DE" dirty="0"/>
+              <a:t>, but </a:t>
+            </a:r>
+            <a:r>
+              <a:rPr lang="de-DE" dirty="0" err="1"/>
+              <a:t>give</a:t>
+            </a:r>
+            <a:r>
+              <a:rPr lang="de-DE" dirty="0"/>
+              <a:t> </a:t>
+            </a:r>
+            <a:r>
+              <a:rPr lang="de-DE" dirty="0" err="1"/>
+              <a:t>it</a:t>
+            </a:r>
+            <a:r>
+              <a:rPr lang="de-DE" dirty="0"/>
+              <a:t> time!</a:t>
+            </a:r>
+          </a:p>
+          <a:p>
+            <a:endParaRPr lang="de-DE" dirty="0"/>
+          </a:p>
+          <a:p>
+            <a:r>
+              <a:rPr lang="de-DE" dirty="0"/>
+              <a:t>Small </a:t>
+            </a:r>
+            <a:r>
+              <a:rPr lang="de-DE" dirty="0" err="1"/>
+              <a:t>challenge</a:t>
+            </a:r>
+            <a:r>
+              <a:rPr lang="de-DE" dirty="0"/>
+              <a:t> </a:t>
+            </a:r>
+            <a:r>
+              <a:rPr lang="de-DE" dirty="0" err="1"/>
+              <a:t>with</a:t>
+            </a:r>
+            <a:r>
+              <a:rPr lang="de-DE" dirty="0"/>
+              <a:t> a friend, vue2 </a:t>
+            </a:r>
+            <a:r>
+              <a:rPr lang="de-DE" dirty="0" err="1"/>
+              <a:t>vs</a:t>
+            </a:r>
+            <a:r>
+              <a:rPr lang="de-DE" dirty="0"/>
+              <a:t> vue3</a:t>
+            </a:r>
+          </a:p>
+          <a:p>
+            <a:endParaRPr lang="de-DE" dirty="0"/>
+          </a:p>
+          <a:p>
+            <a:r>
+              <a:rPr lang="de-DE" dirty="0"/>
+              <a:t>Community and Open Source </a:t>
+            </a:r>
+            <a:r>
+              <a:rPr lang="de-DE" dirty="0" err="1"/>
+              <a:t>is</a:t>
+            </a:r>
+            <a:r>
+              <a:rPr lang="de-DE" dirty="0"/>
+              <a:t> </a:t>
+            </a:r>
+            <a:r>
+              <a:rPr lang="de-DE" dirty="0" err="1"/>
+              <a:t>key</a:t>
+            </a:r>
+            <a:r>
+              <a:rPr lang="de-DE" dirty="0"/>
+              <a:t> </a:t>
+            </a:r>
+            <a:r>
+              <a:rPr lang="de-DE" dirty="0" err="1"/>
+              <a:t>to</a:t>
+            </a:r>
+            <a:r>
+              <a:rPr lang="de-DE" dirty="0"/>
+              <a:t> </a:t>
+            </a:r>
+            <a:r>
+              <a:rPr lang="de-DE" dirty="0" err="1"/>
+              <a:t>performance</a:t>
+            </a:r>
+            <a:r>
+              <a:rPr lang="de-DE" dirty="0"/>
+              <a:t>!</a:t>
+            </a:r>
+          </a:p>
+        </p:txBody>
+      </p:sp>
+      <p:sp>
+        <p:nvSpPr>
+          <p:cNvPr id="4" name="Slide Number Placeholder 3"/>
+          <p:cNvSpPr>
+            <a:spLocks noGrp="1"/>
+          </p:cNvSpPr>
+          <p:nvPr>
+            <p:ph type="sldNum" sz="quarter" idx="5"/>
+          </p:nvPr>
+        </p:nvSpPr>
+        <p:spPr/>
+        <p:txBody>
+          <a:bodyPr/>
+          <a:lstStyle/>
+          <a:p>
+            <a:fld id="{7895DBF9-128F-47E3-BC15-68F64B2EE63B}" type="slidenum">
+              <a:rPr lang="de-DE" smtClean="0"/>
+              <a:t>6</a:t>
+            </a:fld>
+            <a:endParaRPr lang="de-DE"/>
+          </a:p>
+        </p:txBody>
+      </p:sp>
+    </p:spTree>
+    <p:extLst>
+      <p:ext uri="{BB962C8B-B14F-4D97-AF65-F5344CB8AC3E}">
+        <p14:creationId xmlns:p14="http://schemas.microsoft.com/office/powerpoint/2010/main" val="1951866225"/>
       </p:ext>
     </p:extLst>
   </p:cSld>
@@ -3322,7 +3644,7 @@
           <a:p>
             <a:fld id="{AE74BD02-7BAD-4DB4-B6FE-993453B17BBD}" type="datetimeFigureOut">
               <a:rPr lang="de-DE" smtClean="0"/>
-              <a:t>12.06.2022</a:t>
+              <a:t>13.06.2022</a:t>
             </a:fld>
             <a:endParaRPr lang="de-DE"/>
           </a:p>
@@ -3412,7 +3734,7 @@
           <a:p>
             <a:fld id="{95CD9B45-A1EC-4F6C-8D6E-C78CF334ABCF}" type="slidenum">
               <a:rPr lang="de-DE" smtClean="0"/>
-              <a:t>‹#›</a:t>
+              <a:t>‹Nr.›</a:t>
             </a:fld>
             <a:endParaRPr lang="de-DE"/>
           </a:p>
@@ -5193,6 +5515,87 @@
           </a:p>
         </p:txBody>
       </p:sp>
+      <p:sp>
+        <p:nvSpPr>
+          <p:cNvPr id="3" name="Titel 1">
+            <a:extLst>
+              <a:ext uri="{FF2B5EF4-FFF2-40B4-BE49-F238E27FC236}">
+                <a16:creationId xmlns:a16="http://schemas.microsoft.com/office/drawing/2014/main" id="{F5004AB0-DEBF-DD4E-8366-0B5E5B624969}"/>
+              </a:ext>
+            </a:extLst>
+          </p:cNvPr>
+          <p:cNvSpPr txBox="1">
+            <a:spLocks/>
+          </p:cNvSpPr>
+          <p:nvPr/>
+        </p:nvSpPr>
+        <p:spPr>
+          <a:xfrm>
+            <a:off x="3030794" y="2894491"/>
+            <a:ext cx="6373761" cy="679573"/>
+          </a:xfrm>
+          <a:prstGeom prst="rect">
+            <a:avLst/>
+          </a:prstGeom>
+        </p:spPr>
+        <p:txBody>
+          <a:bodyPr vert="horz" lIns="91440" tIns="45720" rIns="91440" bIns="45720" rtlCol="0" anchor="ctr">
+            <a:normAutofit/>
+          </a:bodyPr>
+          <a:lstStyle>
+            <a:lvl1pPr algn="ctr" defTabSz="914400" rtl="0" eaLnBrk="1" latinLnBrk="0" hangingPunct="1">
+              <a:lnSpc>
+                <a:spcPct val="90000"/>
+              </a:lnSpc>
+              <a:spcBef>
+                <a:spcPct val="0"/>
+              </a:spcBef>
+              <a:buNone/>
+              <a:defRPr sz="2400" b="0" i="0" kern="1200" cap="all" spc="330" baseline="0">
+                <a:solidFill>
+                  <a:schemeClr val="bg1"/>
+                </a:solidFill>
+                <a:latin typeface="Univia Pro Light" pitchFamily="2" charset="77"/>
+                <a:ea typeface="+mj-ea"/>
+                <a:cs typeface="+mj-cs"/>
+              </a:defRPr>
+            </a:lvl1pPr>
+          </a:lstStyle>
+          <a:p>
+            <a:r>
+              <a:rPr lang="de-DE" dirty="0" err="1"/>
+              <a:t>No</a:t>
+            </a:r>
+            <a:r>
+              <a:rPr lang="de-DE" dirty="0"/>
+              <a:t> </a:t>
+            </a:r>
+            <a:r>
+              <a:rPr lang="de-DE" dirty="0" err="1"/>
+              <a:t>slides</a:t>
+            </a:r>
+            <a:r>
+              <a:rPr lang="de-DE" dirty="0"/>
+              <a:t>….just </a:t>
+            </a:r>
+            <a:r>
+              <a:rPr lang="de-DE" dirty="0" err="1"/>
+              <a:t>stuff</a:t>
+            </a:r>
+            <a:r>
+              <a:rPr lang="de-DE" dirty="0"/>
+              <a:t> </a:t>
+            </a:r>
+            <a:r>
+              <a:rPr lang="de-DE" dirty="0">
+                <a:sym typeface="Wingdings" panose="05000000000000000000" pitchFamily="2" charset="2"/>
+              </a:rPr>
+              <a:t></a:t>
+            </a:r>
+            <a:endParaRPr lang="de-DE" dirty="0"/>
+          </a:p>
+        </p:txBody>
+      </p:sp>
     </p:spTree>
     <p:extLst>
       <p:ext uri="{BB962C8B-B14F-4D97-AF65-F5344CB8AC3E}">
@@ -5215,6 +5618,130 @@
       </p:transition>
     </mc:Fallback>
   </mc:AlternateContent>
+  <p:timing>
+    <p:tnLst>
+      <p:par>
+        <p:cTn id="1" dur="indefinite" restart="never" nodeType="tmRoot">
+          <p:childTnLst>
+            <p:seq concurrent="1" nextAc="seek">
+              <p:cTn id="2" dur="indefinite" nodeType="mainSeq">
+                <p:childTnLst>
+                  <p:par>
+                    <p:cTn id="3" fill="hold">
+                      <p:stCondLst>
+                        <p:cond delay="indefinite"/>
+                      </p:stCondLst>
+                      <p:childTnLst>
+                        <p:par>
+                          <p:cTn id="4" fill="hold">
+                            <p:stCondLst>
+                              <p:cond delay="0"/>
+                            </p:stCondLst>
+                            <p:childTnLst>
+                              <p:par>
+                                <p:cTn id="5" presetID="2" presetClass="entr" presetSubtype="4" fill="hold" grpId="0" nodeType="clickEffect">
+                                  <p:stCondLst>
+                                    <p:cond delay="0"/>
+                                  </p:stCondLst>
+                                  <p:childTnLst>
+                                    <p:set>
+                                      <p:cBhvr>
+                                        <p:cTn id="6" dur="1" fill="hold">
+                                          <p:stCondLst>
+                                            <p:cond delay="0"/>
+                                          </p:stCondLst>
+                                        </p:cTn>
+                                        <p:tgtEl>
+                                          <p:spTgt spid="3"/>
+                                        </p:tgtEl>
+                                        <p:attrNameLst>
+                                          <p:attrName>style.visibility</p:attrName>
+                                        </p:attrNameLst>
+                                      </p:cBhvr>
+                                      <p:to>
+                                        <p:strVal val="visible"/>
+                                      </p:to>
+                                    </p:set>
+                                    <p:anim calcmode="lin" valueType="num">
+                                      <p:cBhvr additive="base">
+                                        <p:cTn id="7" dur="500" fill="hold"/>
+                                        <p:tgtEl>
+                                          <p:spTgt spid="3"/>
+                                        </p:tgtEl>
+                                        <p:attrNameLst>
+                                          <p:attrName>ppt_x</p:attrName>
+                                        </p:attrNameLst>
+                                      </p:cBhvr>
+                                      <p:tavLst>
+                                        <p:tav tm="0">
+                                          <p:val>
+                                            <p:strVal val="#ppt_x"/>
+                                          </p:val>
+                                        </p:tav>
+                                        <p:tav tm="100000">
+                                          <p:val>
+                                            <p:strVal val="#ppt_x"/>
+                                          </p:val>
+                                        </p:tav>
+                                      </p:tavLst>
+                                    </p:anim>
+                                    <p:anim calcmode="lin" valueType="num">
+                                      <p:cBhvr additive="base">
+                                        <p:cTn id="8" dur="500" fill="hold"/>
+                                        <p:tgtEl>
+                                          <p:spTgt spid="3"/>
+                                        </p:tgtEl>
+                                        <p:attrNameLst>
+                                          <p:attrName>ppt_y</p:attrName>
+                                        </p:attrNameLst>
+                                      </p:cBhvr>
+                                      <p:tavLst>
+                                        <p:tav tm="0">
+                                          <p:val>
+                                            <p:strVal val="1+#ppt_h/2"/>
+                                          </p:val>
+                                        </p:tav>
+                                        <p:tav tm="100000">
+                                          <p:val>
+                                            <p:strVal val="#ppt_y"/>
+                                          </p:val>
+                                        </p:tav>
+                                      </p:tavLst>
+                                    </p:anim>
+                                  </p:childTnLst>
+                                </p:cTn>
+                              </p:par>
+                            </p:childTnLst>
+                          </p:cTn>
+                        </p:par>
+                      </p:childTnLst>
+                    </p:cTn>
+                  </p:par>
+                </p:childTnLst>
+              </p:cTn>
+              <p:prevCondLst>
+                <p:cond evt="onPrev" delay="0">
+                  <p:tgtEl>
+                    <p:sldTgt/>
+                  </p:tgtEl>
+                </p:cond>
+              </p:prevCondLst>
+              <p:nextCondLst>
+                <p:cond evt="onNext" delay="0">
+                  <p:tgtEl>
+                    <p:sldTgt/>
+                  </p:tgtEl>
+                </p:cond>
+              </p:nextCondLst>
+            </p:seq>
+          </p:childTnLst>
+        </p:cTn>
+      </p:par>
+    </p:tnLst>
+    <p:bldLst>
+      <p:bldP spid="3" grpId="0"/>
+    </p:bldLst>
+  </p:timing>
 </p:sld>
 </file>
 
@@ -5251,18 +5778,23 @@
             <p:ph type="title"/>
           </p:nvPr>
         </p:nvSpPr>
-        <p:spPr/>
+        <p:spPr>
+          <a:xfrm>
+            <a:off x="725129" y="795044"/>
+            <a:ext cx="10515600" cy="679573"/>
+          </a:xfrm>
+        </p:spPr>
         <p:txBody>
           <a:bodyPr/>
           <a:lstStyle/>
           <a:p>
             <a:r>
               <a:rPr lang="de-DE" dirty="0"/>
-              <a:t>New </a:t>
+              <a:t>Something </a:t>
             </a:r>
             <a:r>
               <a:rPr lang="de-DE" dirty="0" err="1"/>
-              <a:t>tech</a:t>
+              <a:t>to</a:t>
             </a:r>
             <a:r>
               <a:rPr lang="de-DE" dirty="0"/>
@@ -5270,7 +5802,7 @@
             </a:r>
             <a:r>
               <a:rPr lang="de-DE" dirty="0" err="1"/>
-              <a:t>is</a:t>
+              <a:t>take</a:t>
             </a:r>
             <a:r>
               <a:rPr lang="de-DE" dirty="0"/>
@@ -5278,27 +5810,1496 @@
             </a:r>
             <a:r>
               <a:rPr lang="de-DE" dirty="0" err="1"/>
-              <a:t>great</a:t>
-            </a:r>
-            <a:r>
-              <a:rPr lang="de-DE" dirty="0"/>
-              <a:t>, but </a:t>
-            </a:r>
-            <a:r>
-              <a:rPr lang="de-DE" dirty="0" err="1"/>
-              <a:t>is</a:t>
-            </a:r>
-            <a:r>
-              <a:rPr lang="de-DE" dirty="0"/>
+              <a:t>away</a:t>
+            </a:r>
+            <a:endParaRPr lang="de-DE" dirty="0"/>
+          </a:p>
+        </p:txBody>
+      </p:sp>
+      <p:pic>
+        <p:nvPicPr>
+          <p:cNvPr id="5" name="Grafik 4">
+            <a:extLst>
+              <a:ext uri="{FF2B5EF4-FFF2-40B4-BE49-F238E27FC236}">
+                <a16:creationId xmlns:a16="http://schemas.microsoft.com/office/drawing/2014/main" id="{FDAC44F4-83F4-2591-60E2-62E41AF7F4DF}"/>
+              </a:ext>
+            </a:extLst>
+          </p:cNvPr>
+          <p:cNvPicPr>
+            <a:picLocks noChangeAspect="1"/>
+          </p:cNvPicPr>
+          <p:nvPr/>
+        </p:nvPicPr>
+        <p:blipFill>
+          <a:blip r:embed="rId3">
+            <a:extLst>
+              <a:ext uri="{28A0092B-C50C-407E-A947-70E740481C1C}">
+                <a14:useLocalDpi xmlns:a14="http://schemas.microsoft.com/office/drawing/2010/main" val="0"/>
+              </a:ext>
+              <a:ext uri="{96DAC541-7B7A-43D3-8B79-37D633B846F1}">
+                <asvg:svgBlip xmlns:asvg="http://schemas.microsoft.com/office/drawing/2016/SVG/main" r:embed="rId4"/>
+              </a:ext>
+            </a:extLst>
+          </a:blip>
+          <a:stretch>
+            <a:fillRect/>
+          </a:stretch>
+        </p:blipFill>
+        <p:spPr>
+          <a:xfrm>
+            <a:off x="3487760" y="2244712"/>
+            <a:ext cx="683162" cy="683162"/>
+          </a:xfrm>
+          <a:prstGeom prst="rect">
+            <a:avLst/>
+          </a:prstGeom>
+        </p:spPr>
+      </p:pic>
+      <p:sp>
+        <p:nvSpPr>
+          <p:cNvPr id="24" name="Textfeld 23">
+            <a:extLst>
+              <a:ext uri="{FF2B5EF4-FFF2-40B4-BE49-F238E27FC236}">
+                <a16:creationId xmlns:a16="http://schemas.microsoft.com/office/drawing/2014/main" id="{D3DC63FD-0842-9F46-EFF8-B784698C6F7E}"/>
+              </a:ext>
+            </a:extLst>
+          </p:cNvPr>
+          <p:cNvSpPr txBox="1"/>
+          <p:nvPr/>
+        </p:nvSpPr>
+        <p:spPr>
+          <a:xfrm>
+            <a:off x="2904406" y="2950747"/>
+            <a:ext cx="1849870" cy="423449"/>
+          </a:xfrm>
+          <a:prstGeom prst="rect">
+            <a:avLst/>
+          </a:prstGeom>
+          <a:noFill/>
+        </p:spPr>
+        <p:txBody>
+          <a:bodyPr wrap="square">
+            <a:spAutoFit/>
+          </a:bodyPr>
+          <a:lstStyle/>
+          <a:p>
+            <a:pPr algn="ctr">
+              <a:lnSpc>
+                <a:spcPct val="150000"/>
+              </a:lnSpc>
+            </a:pPr>
+            <a:r>
+              <a:rPr kumimoji="0" lang="de-DE" sz="1600" b="0" i="0" u="none" strike="noStrike" kern="1200" cap="none" spc="0" normalizeH="0" baseline="0" noProof="0" dirty="0">
+                <a:ln>
+                  <a:noFill/>
+                </a:ln>
+                <a:solidFill>
+                  <a:prstClr val="white"/>
+                </a:solidFill>
+                <a:effectLst/>
+                <a:uLnTx/>
+                <a:uFillTx/>
+                <a:latin typeface="Univia Pro Regular" panose="00000500000000000000" pitchFamily="50" charset="0"/>
+                <a:ea typeface="Open Sans" panose="020B0606030504020204" pitchFamily="34" charset="0"/>
+                <a:cs typeface="Open Sans" panose="020B0606030504020204" pitchFamily="34" charset="0"/>
+              </a:rPr>
+              <a:t>Connect </a:t>
+            </a:r>
+            <a:r>
+              <a:rPr kumimoji="0" lang="de-DE" sz="1600" b="0" i="0" u="none" strike="noStrike" kern="1200" cap="none" spc="0" normalizeH="0" baseline="0" noProof="0" dirty="0" err="1">
+                <a:ln>
+                  <a:noFill/>
+                </a:ln>
+                <a:solidFill>
+                  <a:prstClr val="white"/>
+                </a:solidFill>
+                <a:effectLst/>
+                <a:uLnTx/>
+                <a:uFillTx/>
+                <a:latin typeface="Univia Pro Regular" panose="00000500000000000000" pitchFamily="50" charset="0"/>
+                <a:ea typeface="Open Sans" panose="020B0606030504020204" pitchFamily="34" charset="0"/>
+                <a:cs typeface="Open Sans" panose="020B0606030504020204" pitchFamily="34" charset="0"/>
+              </a:rPr>
+              <a:t>the</a:t>
+            </a:r>
+            <a:r>
+              <a:rPr kumimoji="0" lang="de-DE" sz="1600" b="0" i="0" u="none" strike="noStrike" kern="1200" cap="none" spc="0" normalizeH="0" baseline="0" noProof="0" dirty="0">
+                <a:ln>
+                  <a:noFill/>
+                </a:ln>
+                <a:solidFill>
+                  <a:prstClr val="white"/>
+                </a:solidFill>
+                <a:effectLst/>
+                <a:uLnTx/>
+                <a:uFillTx/>
+                <a:latin typeface="Univia Pro Regular" panose="00000500000000000000" pitchFamily="50" charset="0"/>
+                <a:ea typeface="Open Sans" panose="020B0606030504020204" pitchFamily="34" charset="0"/>
+                <a:cs typeface="Open Sans" panose="020B0606030504020204" pitchFamily="34" charset="0"/>
+              </a:rPr>
               <a:t> </a:t>
             </a:r>
             <a:r>
-              <a:rPr lang="de-DE" dirty="0" err="1"/>
+              <a:rPr kumimoji="0" lang="de-DE" sz="1600" b="0" i="0" u="none" strike="noStrike" kern="1200" cap="none" spc="0" normalizeH="0" baseline="0" noProof="0" dirty="0" err="1">
+                <a:ln>
+                  <a:noFill/>
+                </a:ln>
+                <a:solidFill>
+                  <a:prstClr val="white"/>
+                </a:solidFill>
+                <a:effectLst/>
+                <a:uLnTx/>
+                <a:uFillTx/>
+                <a:latin typeface="Univia Pro Regular" panose="00000500000000000000" pitchFamily="50" charset="0"/>
+                <a:ea typeface="Open Sans" panose="020B0606030504020204" pitchFamily="34" charset="0"/>
+                <a:cs typeface="Open Sans" panose="020B0606030504020204" pitchFamily="34" charset="0"/>
+              </a:rPr>
+              <a:t>dots</a:t>
+            </a:r>
+            <a:endParaRPr kumimoji="0" lang="de-DE" sz="1600" b="0" i="0" u="none" strike="noStrike" kern="1200" cap="none" spc="0" normalizeH="0" baseline="0" noProof="0" dirty="0">
+              <a:ln>
+                <a:noFill/>
+              </a:ln>
+              <a:solidFill>
+                <a:prstClr val="white"/>
+              </a:solidFill>
+              <a:effectLst/>
+              <a:uLnTx/>
+              <a:uFillTx/>
+              <a:latin typeface="Univia Pro Regular" panose="00000500000000000000" pitchFamily="50" charset="0"/>
+              <a:ea typeface="Open Sans" panose="020B0606030504020204" pitchFamily="34" charset="0"/>
+              <a:cs typeface="Open Sans" panose="020B0606030504020204" pitchFamily="34" charset="0"/>
+            </a:endParaRPr>
+          </a:p>
+        </p:txBody>
+      </p:sp>
+      <p:sp>
+        <p:nvSpPr>
+          <p:cNvPr id="26" name="Textfeld 25">
+            <a:extLst>
+              <a:ext uri="{FF2B5EF4-FFF2-40B4-BE49-F238E27FC236}">
+                <a16:creationId xmlns:a16="http://schemas.microsoft.com/office/drawing/2014/main" id="{15C37659-463B-4D3D-2D92-1AC4128240EB}"/>
+              </a:ext>
+            </a:extLst>
+          </p:cNvPr>
+          <p:cNvSpPr txBox="1"/>
+          <p:nvPr/>
+        </p:nvSpPr>
+        <p:spPr>
+          <a:xfrm>
+            <a:off x="2904406" y="3374196"/>
+            <a:ext cx="1849870" cy="894732"/>
+          </a:xfrm>
+          <a:prstGeom prst="rect">
+            <a:avLst/>
+          </a:prstGeom>
+          <a:noFill/>
+        </p:spPr>
+        <p:txBody>
+          <a:bodyPr wrap="square">
+            <a:spAutoFit/>
+          </a:bodyPr>
+          <a:lstStyle/>
+          <a:p>
+            <a:pPr algn="ctr">
+              <a:lnSpc>
+                <a:spcPct val="150000"/>
+              </a:lnSpc>
+            </a:pPr>
+            <a:r>
+              <a:rPr lang="de-DE" sz="1200" dirty="0">
+                <a:solidFill>
+                  <a:prstClr val="white"/>
+                </a:solidFill>
+                <a:latin typeface="Univia Pro Regular" panose="00000500000000000000" pitchFamily="50" charset="0"/>
+                <a:ea typeface="Open Sans" panose="020B0606030504020204" pitchFamily="34" charset="0"/>
+                <a:cs typeface="Open Sans" panose="020B0606030504020204" pitchFamily="34" charset="0"/>
+              </a:rPr>
+              <a:t>Do i </a:t>
+            </a:r>
+            <a:r>
+              <a:rPr lang="de-DE" sz="1200" dirty="0" err="1">
+                <a:solidFill>
+                  <a:prstClr val="white"/>
+                </a:solidFill>
+                <a:latin typeface="Univia Pro Regular" panose="00000500000000000000" pitchFamily="50" charset="0"/>
+                <a:ea typeface="Open Sans" panose="020B0606030504020204" pitchFamily="34" charset="0"/>
+                <a:cs typeface="Open Sans" panose="020B0606030504020204" pitchFamily="34" charset="0"/>
+              </a:rPr>
+              <a:t>need</a:t>
+            </a:r>
+            <a:r>
+              <a:rPr lang="de-DE" sz="1200" dirty="0">
+                <a:solidFill>
+                  <a:prstClr val="white"/>
+                </a:solidFill>
+                <a:latin typeface="Univia Pro Regular" panose="00000500000000000000" pitchFamily="50" charset="0"/>
+                <a:ea typeface="Open Sans" panose="020B0606030504020204" pitchFamily="34" charset="0"/>
+                <a:cs typeface="Open Sans" panose="020B0606030504020204" pitchFamily="34" charset="0"/>
+              </a:rPr>
+              <a:t> </a:t>
+            </a:r>
+            <a:r>
+              <a:rPr lang="de-DE" sz="1200" dirty="0" err="1">
+                <a:solidFill>
+                  <a:prstClr val="white"/>
+                </a:solidFill>
+                <a:latin typeface="Univia Pro Regular" panose="00000500000000000000" pitchFamily="50" charset="0"/>
+                <a:ea typeface="Open Sans" panose="020B0606030504020204" pitchFamily="34" charset="0"/>
+                <a:cs typeface="Open Sans" panose="020B0606030504020204" pitchFamily="34" charset="0"/>
+              </a:rPr>
+              <a:t>this</a:t>
+            </a:r>
+            <a:r>
+              <a:rPr lang="de-DE" sz="1200" dirty="0">
+                <a:solidFill>
+                  <a:prstClr val="white"/>
+                </a:solidFill>
+                <a:latin typeface="Univia Pro Regular" panose="00000500000000000000" pitchFamily="50" charset="0"/>
+                <a:ea typeface="Open Sans" panose="020B0606030504020204" pitchFamily="34" charset="0"/>
+                <a:cs typeface="Open Sans" panose="020B0606030504020204" pitchFamily="34" charset="0"/>
+              </a:rPr>
+              <a:t> </a:t>
+            </a:r>
+            <a:r>
+              <a:rPr lang="de-DE" sz="1200" dirty="0" err="1">
+                <a:solidFill>
+                  <a:prstClr val="white"/>
+                </a:solidFill>
+                <a:latin typeface="Univia Pro Regular" panose="00000500000000000000" pitchFamily="50" charset="0"/>
+                <a:ea typeface="Open Sans" panose="020B0606030504020204" pitchFamily="34" charset="0"/>
+                <a:cs typeface="Open Sans" panose="020B0606030504020204" pitchFamily="34" charset="0"/>
+              </a:rPr>
+              <a:t>somewhere</a:t>
+            </a:r>
+            <a:r>
+              <a:rPr lang="de-DE" sz="1200" dirty="0">
+                <a:solidFill>
+                  <a:prstClr val="white"/>
+                </a:solidFill>
+                <a:latin typeface="Univia Pro Regular" panose="00000500000000000000" pitchFamily="50" charset="0"/>
+                <a:ea typeface="Open Sans" panose="020B0606030504020204" pitchFamily="34" charset="0"/>
+                <a:cs typeface="Open Sans" panose="020B0606030504020204" pitchFamily="34" charset="0"/>
+              </a:rPr>
+              <a:t> </a:t>
+            </a:r>
+            <a:r>
+              <a:rPr lang="de-DE" sz="1200" dirty="0" err="1">
+                <a:solidFill>
+                  <a:prstClr val="white"/>
+                </a:solidFill>
+                <a:latin typeface="Univia Pro Regular" panose="00000500000000000000" pitchFamily="50" charset="0"/>
+                <a:ea typeface="Open Sans" panose="020B0606030504020204" pitchFamily="34" charset="0"/>
+                <a:cs typeface="Open Sans" panose="020B0606030504020204" pitchFamily="34" charset="0"/>
+              </a:rPr>
+              <a:t>else</a:t>
+            </a:r>
+            <a:r>
+              <a:rPr lang="de-DE" sz="1200" dirty="0">
+                <a:solidFill>
+                  <a:prstClr val="white"/>
+                </a:solidFill>
+                <a:latin typeface="Univia Pro Regular" panose="00000500000000000000" pitchFamily="50" charset="0"/>
+                <a:ea typeface="Open Sans" panose="020B0606030504020204" pitchFamily="34" charset="0"/>
+                <a:cs typeface="Open Sans" panose="020B0606030504020204" pitchFamily="34" charset="0"/>
+              </a:rPr>
+              <a:t>? Will </a:t>
+            </a:r>
+            <a:r>
+              <a:rPr lang="de-DE" sz="1200" dirty="0" err="1">
+                <a:solidFill>
+                  <a:prstClr val="white"/>
+                </a:solidFill>
+                <a:latin typeface="Univia Pro Regular" panose="00000500000000000000" pitchFamily="50" charset="0"/>
+                <a:ea typeface="Open Sans" panose="020B0606030504020204" pitchFamily="34" charset="0"/>
+                <a:cs typeface="Open Sans" panose="020B0606030504020204" pitchFamily="34" charset="0"/>
+              </a:rPr>
               <a:t>it</a:t>
             </a:r>
             <a:r>
-              <a:rPr lang="de-DE" dirty="0"/>
+              <a:rPr lang="de-DE" sz="1200" dirty="0">
+                <a:solidFill>
+                  <a:prstClr val="white"/>
+                </a:solidFill>
+                <a:latin typeface="Univia Pro Regular" panose="00000500000000000000" pitchFamily="50" charset="0"/>
+                <a:ea typeface="Open Sans" panose="020B0606030504020204" pitchFamily="34" charset="0"/>
+                <a:cs typeface="Open Sans" panose="020B0606030504020204" pitchFamily="34" charset="0"/>
+              </a:rPr>
+              <a:t> </a:t>
+            </a:r>
+            <a:r>
+              <a:rPr lang="de-DE" sz="1200" dirty="0" err="1">
+                <a:solidFill>
+                  <a:prstClr val="white"/>
+                </a:solidFill>
+                <a:latin typeface="Univia Pro Regular" panose="00000500000000000000" pitchFamily="50" charset="0"/>
+                <a:ea typeface="Open Sans" panose="020B0606030504020204" pitchFamily="34" charset="0"/>
+                <a:cs typeface="Open Sans" panose="020B0606030504020204" pitchFamily="34" charset="0"/>
+              </a:rPr>
+              <a:t>help</a:t>
+            </a:r>
+            <a:r>
+              <a:rPr lang="de-DE" sz="1200" dirty="0">
+                <a:solidFill>
+                  <a:prstClr val="white"/>
+                </a:solidFill>
+                <a:latin typeface="Univia Pro Regular" panose="00000500000000000000" pitchFamily="50" charset="0"/>
+                <a:ea typeface="Open Sans" panose="020B0606030504020204" pitchFamily="34" charset="0"/>
+                <a:cs typeface="Open Sans" panose="020B0606030504020204" pitchFamily="34" charset="0"/>
+              </a:rPr>
+              <a:t> </a:t>
+            </a:r>
+            <a:r>
+              <a:rPr lang="de-DE" sz="1200" dirty="0" err="1">
+                <a:solidFill>
+                  <a:prstClr val="white"/>
+                </a:solidFill>
+                <a:latin typeface="Univia Pro Regular" panose="00000500000000000000" pitchFamily="50" charset="0"/>
+                <a:ea typeface="Open Sans" panose="020B0606030504020204" pitchFamily="34" charset="0"/>
+                <a:cs typeface="Open Sans" panose="020B0606030504020204" pitchFamily="34" charset="0"/>
+              </a:rPr>
+              <a:t>me</a:t>
+            </a:r>
+            <a:r>
+              <a:rPr lang="de-DE" sz="1200" dirty="0">
+                <a:solidFill>
+                  <a:prstClr val="white"/>
+                </a:solidFill>
+                <a:latin typeface="Univia Pro Regular" panose="00000500000000000000" pitchFamily="50" charset="0"/>
+                <a:ea typeface="Open Sans" panose="020B0606030504020204" pitchFamily="34" charset="0"/>
+                <a:cs typeface="Open Sans" panose="020B0606030504020204" pitchFamily="34" charset="0"/>
+              </a:rPr>
+              <a:t> in </a:t>
+            </a:r>
+            <a:r>
+              <a:rPr lang="de-DE" sz="1200" dirty="0" err="1">
+                <a:solidFill>
+                  <a:prstClr val="white"/>
+                </a:solidFill>
+                <a:latin typeface="Univia Pro Regular" panose="00000500000000000000" pitchFamily="50" charset="0"/>
+                <a:ea typeface="Open Sans" panose="020B0606030504020204" pitchFamily="34" charset="0"/>
+                <a:cs typeface="Open Sans" panose="020B0606030504020204" pitchFamily="34" charset="0"/>
+              </a:rPr>
+              <a:t>another</a:t>
+            </a:r>
+            <a:r>
+              <a:rPr lang="de-DE" sz="1200" dirty="0">
+                <a:solidFill>
+                  <a:prstClr val="white"/>
+                </a:solidFill>
+                <a:latin typeface="Univia Pro Regular" panose="00000500000000000000" pitchFamily="50" charset="0"/>
+                <a:ea typeface="Open Sans" panose="020B0606030504020204" pitchFamily="34" charset="0"/>
+                <a:cs typeface="Open Sans" panose="020B0606030504020204" pitchFamily="34" charset="0"/>
+              </a:rPr>
+              <a:t> </a:t>
+            </a:r>
+            <a:r>
+              <a:rPr lang="de-DE" sz="1200" dirty="0" err="1">
+                <a:solidFill>
+                  <a:prstClr val="white"/>
+                </a:solidFill>
+                <a:latin typeface="Univia Pro Regular" panose="00000500000000000000" pitchFamily="50" charset="0"/>
+                <a:ea typeface="Open Sans" panose="020B0606030504020204" pitchFamily="34" charset="0"/>
+                <a:cs typeface="Open Sans" panose="020B0606030504020204" pitchFamily="34" charset="0"/>
+              </a:rPr>
+              <a:t>project</a:t>
+            </a:r>
+            <a:r>
+              <a:rPr kumimoji="0" lang="de-DE" sz="1200" b="0" i="0" u="none" strike="noStrike" kern="1200" cap="none" spc="0" normalizeH="0" baseline="0" noProof="0" dirty="0">
+                <a:ln>
+                  <a:noFill/>
+                </a:ln>
+                <a:solidFill>
+                  <a:prstClr val="white"/>
+                </a:solidFill>
+                <a:effectLst/>
+                <a:uLnTx/>
+                <a:uFillTx/>
+                <a:latin typeface="Univia Pro Regular" panose="00000500000000000000" pitchFamily="50" charset="0"/>
+                <a:ea typeface="Open Sans" panose="020B0606030504020204" pitchFamily="34" charset="0"/>
+                <a:cs typeface="Open Sans" panose="020B0606030504020204" pitchFamily="34" charset="0"/>
+              </a:rPr>
               <a:t>?</a:t>
+            </a:r>
+          </a:p>
+        </p:txBody>
+      </p:sp>
+      <p:sp>
+        <p:nvSpPr>
+          <p:cNvPr id="28" name="Textfeld 27">
+            <a:extLst>
+              <a:ext uri="{FF2B5EF4-FFF2-40B4-BE49-F238E27FC236}">
+                <a16:creationId xmlns:a16="http://schemas.microsoft.com/office/drawing/2014/main" id="{3646FBF0-767B-9B09-8C35-B1D475DD795E}"/>
+              </a:ext>
+            </a:extLst>
+          </p:cNvPr>
+          <p:cNvSpPr txBox="1"/>
+          <p:nvPr/>
+        </p:nvSpPr>
+        <p:spPr>
+          <a:xfrm>
+            <a:off x="5023258" y="2950747"/>
+            <a:ext cx="1849870" cy="423449"/>
+          </a:xfrm>
+          <a:prstGeom prst="rect">
+            <a:avLst/>
+          </a:prstGeom>
+          <a:noFill/>
+        </p:spPr>
+        <p:txBody>
+          <a:bodyPr wrap="square">
+            <a:spAutoFit/>
+          </a:bodyPr>
+          <a:lstStyle/>
+          <a:p>
+            <a:pPr algn="ctr">
+              <a:lnSpc>
+                <a:spcPct val="150000"/>
+              </a:lnSpc>
+            </a:pPr>
+            <a:r>
+              <a:rPr kumimoji="0" lang="de-DE" sz="1600" b="0" i="0" u="none" strike="noStrike" kern="1200" cap="none" spc="0" normalizeH="0" baseline="0" noProof="0" dirty="0" err="1">
+                <a:ln>
+                  <a:noFill/>
+                </a:ln>
+                <a:solidFill>
+                  <a:prstClr val="white"/>
+                </a:solidFill>
+                <a:effectLst/>
+                <a:uLnTx/>
+                <a:uFillTx/>
+                <a:latin typeface="Univia Pro Regular" panose="00000500000000000000" pitchFamily="50" charset="0"/>
+                <a:ea typeface="Open Sans" panose="020B0606030504020204" pitchFamily="34" charset="0"/>
+                <a:cs typeface="Open Sans" panose="020B0606030504020204" pitchFamily="34" charset="0"/>
+              </a:rPr>
+              <a:t>What</a:t>
+            </a:r>
+            <a:r>
+              <a:rPr kumimoji="0" lang="de-DE" sz="1600" b="0" i="0" u="none" strike="noStrike" kern="1200" cap="none" spc="0" normalizeH="0" baseline="0" noProof="0" dirty="0">
+                <a:ln>
+                  <a:noFill/>
+                </a:ln>
+                <a:solidFill>
+                  <a:prstClr val="white"/>
+                </a:solidFill>
+                <a:effectLst/>
+                <a:uLnTx/>
+                <a:uFillTx/>
+                <a:latin typeface="Univia Pro Regular" panose="00000500000000000000" pitchFamily="50" charset="0"/>
+                <a:ea typeface="Open Sans" panose="020B0606030504020204" pitchFamily="34" charset="0"/>
+                <a:cs typeface="Open Sans" panose="020B0606030504020204" pitchFamily="34" charset="0"/>
+              </a:rPr>
+              <a:t> </a:t>
+            </a:r>
+            <a:r>
+              <a:rPr kumimoji="0" lang="de-DE" sz="1600" b="0" i="0" u="none" strike="noStrike" kern="1200" cap="none" spc="0" normalizeH="0" baseline="0" noProof="0" dirty="0" err="1">
+                <a:ln>
+                  <a:noFill/>
+                </a:ln>
+                <a:solidFill>
+                  <a:prstClr val="white"/>
+                </a:solidFill>
+                <a:effectLst/>
+                <a:uLnTx/>
+                <a:uFillTx/>
+                <a:latin typeface="Univia Pro Regular" panose="00000500000000000000" pitchFamily="50" charset="0"/>
+                <a:ea typeface="Open Sans" panose="020B0606030504020204" pitchFamily="34" charset="0"/>
+                <a:cs typeface="Open Sans" panose="020B0606030504020204" pitchFamily="34" charset="0"/>
+              </a:rPr>
+              <a:t>else</a:t>
+            </a:r>
+            <a:r>
+              <a:rPr kumimoji="0" lang="de-DE" sz="1600" b="0" i="0" u="none" strike="noStrike" kern="1200" cap="none" spc="0" normalizeH="0" baseline="0" noProof="0" dirty="0">
+                <a:ln>
+                  <a:noFill/>
+                </a:ln>
+                <a:solidFill>
+                  <a:prstClr val="white"/>
+                </a:solidFill>
+                <a:effectLst/>
+                <a:uLnTx/>
+                <a:uFillTx/>
+                <a:latin typeface="Univia Pro Regular" panose="00000500000000000000" pitchFamily="50" charset="0"/>
+                <a:ea typeface="Open Sans" panose="020B0606030504020204" pitchFamily="34" charset="0"/>
+                <a:cs typeface="Open Sans" panose="020B0606030504020204" pitchFamily="34" charset="0"/>
+              </a:rPr>
+              <a:t>?</a:t>
+            </a:r>
+          </a:p>
+        </p:txBody>
+      </p:sp>
+      <p:sp>
+        <p:nvSpPr>
+          <p:cNvPr id="29" name="Textfeld 28">
+            <a:extLst>
+              <a:ext uri="{FF2B5EF4-FFF2-40B4-BE49-F238E27FC236}">
+                <a16:creationId xmlns:a16="http://schemas.microsoft.com/office/drawing/2014/main" id="{A2B3FE83-9D6B-69E8-AC6A-FFC1228CACF5}"/>
+              </a:ext>
+            </a:extLst>
+          </p:cNvPr>
+          <p:cNvSpPr txBox="1"/>
+          <p:nvPr/>
+        </p:nvSpPr>
+        <p:spPr>
+          <a:xfrm>
+            <a:off x="5023258" y="3512695"/>
+            <a:ext cx="1849870" cy="617733"/>
+          </a:xfrm>
+          <a:prstGeom prst="rect">
+            <a:avLst/>
+          </a:prstGeom>
+          <a:noFill/>
+        </p:spPr>
+        <p:txBody>
+          <a:bodyPr wrap="square">
+            <a:spAutoFit/>
+          </a:bodyPr>
+          <a:lstStyle/>
+          <a:p>
+            <a:pPr algn="ctr">
+              <a:lnSpc>
+                <a:spcPct val="150000"/>
+              </a:lnSpc>
+            </a:pPr>
+            <a:r>
+              <a:rPr kumimoji="0" lang="de-DE" sz="1200" b="0" i="0" u="none" strike="noStrike" kern="1200" cap="none" spc="0" normalizeH="0" baseline="0" noProof="0" dirty="0" err="1">
+                <a:ln>
+                  <a:noFill/>
+                </a:ln>
+                <a:solidFill>
+                  <a:prstClr val="white"/>
+                </a:solidFill>
+                <a:effectLst/>
+                <a:uLnTx/>
+                <a:uFillTx/>
+                <a:latin typeface="Univia Pro Regular" panose="00000500000000000000" pitchFamily="50" charset="0"/>
+                <a:ea typeface="Open Sans" panose="020B0606030504020204" pitchFamily="34" charset="0"/>
+                <a:cs typeface="Open Sans" panose="020B0606030504020204" pitchFamily="34" charset="0"/>
+              </a:rPr>
+              <a:t>What</a:t>
+            </a:r>
+            <a:r>
+              <a:rPr kumimoji="0" lang="de-DE" sz="1200" b="0" i="0" u="none" strike="noStrike" kern="1200" cap="none" spc="0" normalizeH="0" baseline="0" noProof="0" dirty="0">
+                <a:ln>
+                  <a:noFill/>
+                </a:ln>
+                <a:solidFill>
+                  <a:prstClr val="white"/>
+                </a:solidFill>
+                <a:effectLst/>
+                <a:uLnTx/>
+                <a:uFillTx/>
+                <a:latin typeface="Univia Pro Regular" panose="00000500000000000000" pitchFamily="50" charset="0"/>
+                <a:ea typeface="Open Sans" panose="020B0606030504020204" pitchFamily="34" charset="0"/>
+                <a:cs typeface="Open Sans" panose="020B0606030504020204" pitchFamily="34" charset="0"/>
+              </a:rPr>
+              <a:t> </a:t>
+            </a:r>
+            <a:r>
+              <a:rPr kumimoji="0" lang="de-DE" sz="1200" b="0" i="0" u="none" strike="noStrike" kern="1200" cap="none" spc="0" normalizeH="0" baseline="0" noProof="0" dirty="0" err="1">
+                <a:ln>
+                  <a:noFill/>
+                </a:ln>
+                <a:solidFill>
+                  <a:prstClr val="white"/>
+                </a:solidFill>
+                <a:effectLst/>
+                <a:uLnTx/>
+                <a:uFillTx/>
+                <a:latin typeface="Univia Pro Regular" panose="00000500000000000000" pitchFamily="50" charset="0"/>
+                <a:ea typeface="Open Sans" panose="020B0606030504020204" pitchFamily="34" charset="0"/>
+                <a:cs typeface="Open Sans" panose="020B0606030504020204" pitchFamily="34" charset="0"/>
+              </a:rPr>
+              <a:t>else</a:t>
+            </a:r>
+            <a:r>
+              <a:rPr kumimoji="0" lang="de-DE" sz="1200" b="0" i="0" u="none" strike="noStrike" kern="1200" cap="none" spc="0" normalizeH="0" baseline="0" noProof="0" dirty="0">
+                <a:ln>
+                  <a:noFill/>
+                </a:ln>
+                <a:solidFill>
+                  <a:prstClr val="white"/>
+                </a:solidFill>
+                <a:effectLst/>
+                <a:uLnTx/>
+                <a:uFillTx/>
+                <a:latin typeface="Univia Pro Regular" panose="00000500000000000000" pitchFamily="50" charset="0"/>
+                <a:ea typeface="Open Sans" panose="020B0606030504020204" pitchFamily="34" charset="0"/>
+                <a:cs typeface="Open Sans" panose="020B0606030504020204" pitchFamily="34" charset="0"/>
+              </a:rPr>
+              <a:t> </a:t>
+            </a:r>
+            <a:r>
+              <a:rPr kumimoji="0" lang="de-DE" sz="1200" b="0" i="0" u="none" strike="noStrike" kern="1200" cap="none" spc="0" normalizeH="0" baseline="0" noProof="0" dirty="0" err="1">
+                <a:ln>
+                  <a:noFill/>
+                </a:ln>
+                <a:solidFill>
+                  <a:prstClr val="white"/>
+                </a:solidFill>
+                <a:effectLst/>
+                <a:uLnTx/>
+                <a:uFillTx/>
+                <a:latin typeface="Univia Pro Regular" panose="00000500000000000000" pitchFamily="50" charset="0"/>
+                <a:ea typeface="Open Sans" panose="020B0606030504020204" pitchFamily="34" charset="0"/>
+                <a:cs typeface="Open Sans" panose="020B0606030504020204" pitchFamily="34" charset="0"/>
+              </a:rPr>
+              <a:t>could</a:t>
+            </a:r>
+            <a:r>
+              <a:rPr kumimoji="0" lang="de-DE" sz="1200" b="0" i="0" u="none" strike="noStrike" kern="1200" cap="none" spc="0" normalizeH="0" baseline="0" noProof="0" dirty="0">
+                <a:ln>
+                  <a:noFill/>
+                </a:ln>
+                <a:solidFill>
+                  <a:prstClr val="white"/>
+                </a:solidFill>
+                <a:effectLst/>
+                <a:uLnTx/>
+                <a:uFillTx/>
+                <a:latin typeface="Univia Pro Regular" panose="00000500000000000000" pitchFamily="50" charset="0"/>
+                <a:ea typeface="Open Sans" panose="020B0606030504020204" pitchFamily="34" charset="0"/>
+                <a:cs typeface="Open Sans" panose="020B0606030504020204" pitchFamily="34" charset="0"/>
+              </a:rPr>
+              <a:t> i </a:t>
+            </a:r>
+            <a:r>
+              <a:rPr kumimoji="0" lang="de-DE" sz="1200" b="0" i="0" u="none" strike="noStrike" kern="1200" cap="none" spc="0" normalizeH="0" baseline="0" noProof="0" dirty="0" err="1">
+                <a:ln>
+                  <a:noFill/>
+                </a:ln>
+                <a:solidFill>
+                  <a:prstClr val="white"/>
+                </a:solidFill>
+                <a:effectLst/>
+                <a:uLnTx/>
+                <a:uFillTx/>
+                <a:latin typeface="Univia Pro Regular" panose="00000500000000000000" pitchFamily="50" charset="0"/>
+                <a:ea typeface="Open Sans" panose="020B0606030504020204" pitchFamily="34" charset="0"/>
+                <a:cs typeface="Open Sans" panose="020B0606030504020204" pitchFamily="34" charset="0"/>
+              </a:rPr>
+              <a:t>possibly</a:t>
+            </a:r>
+            <a:r>
+              <a:rPr kumimoji="0" lang="de-DE" sz="1200" b="0" i="0" u="none" strike="noStrike" kern="1200" cap="none" spc="0" normalizeH="0" baseline="0" noProof="0" dirty="0">
+                <a:ln>
+                  <a:noFill/>
+                </a:ln>
+                <a:solidFill>
+                  <a:prstClr val="white"/>
+                </a:solidFill>
+                <a:effectLst/>
+                <a:uLnTx/>
+                <a:uFillTx/>
+                <a:latin typeface="Univia Pro Regular" panose="00000500000000000000" pitchFamily="50" charset="0"/>
+                <a:ea typeface="Open Sans" panose="020B0606030504020204" pitchFamily="34" charset="0"/>
+                <a:cs typeface="Open Sans" panose="020B0606030504020204" pitchFamily="34" charset="0"/>
+              </a:rPr>
+              <a:t> </a:t>
+            </a:r>
+            <a:r>
+              <a:rPr kumimoji="0" lang="de-DE" sz="1200" b="0" i="0" u="none" strike="noStrike" kern="1200" cap="none" spc="0" normalizeH="0" baseline="0" noProof="0" dirty="0" err="1">
+                <a:ln>
+                  <a:noFill/>
+                </a:ln>
+                <a:solidFill>
+                  <a:prstClr val="white"/>
+                </a:solidFill>
+                <a:effectLst/>
+                <a:uLnTx/>
+                <a:uFillTx/>
+                <a:latin typeface="Univia Pro Regular" panose="00000500000000000000" pitchFamily="50" charset="0"/>
+                <a:ea typeface="Open Sans" panose="020B0606030504020204" pitchFamily="34" charset="0"/>
+                <a:cs typeface="Open Sans" panose="020B0606030504020204" pitchFamily="34" charset="0"/>
+              </a:rPr>
+              <a:t>use</a:t>
+            </a:r>
+            <a:r>
+              <a:rPr kumimoji="0" lang="de-DE" sz="1200" b="0" i="0" u="none" strike="noStrike" kern="1200" cap="none" spc="0" normalizeH="0" baseline="0" noProof="0" dirty="0">
+                <a:ln>
+                  <a:noFill/>
+                </a:ln>
+                <a:solidFill>
+                  <a:prstClr val="white"/>
+                </a:solidFill>
+                <a:effectLst/>
+                <a:uLnTx/>
+                <a:uFillTx/>
+                <a:latin typeface="Univia Pro Regular" panose="00000500000000000000" pitchFamily="50" charset="0"/>
+                <a:ea typeface="Open Sans" panose="020B0606030504020204" pitchFamily="34" charset="0"/>
+                <a:cs typeface="Open Sans" panose="020B0606030504020204" pitchFamily="34" charset="0"/>
+              </a:rPr>
+              <a:t> </a:t>
+            </a:r>
+            <a:r>
+              <a:rPr kumimoji="0" lang="de-DE" sz="1200" b="0" i="0" u="none" strike="noStrike" kern="1200" cap="none" spc="0" normalizeH="0" baseline="0" noProof="0" dirty="0" err="1">
+                <a:ln>
+                  <a:noFill/>
+                </a:ln>
+                <a:solidFill>
+                  <a:prstClr val="white"/>
+                </a:solidFill>
+                <a:effectLst/>
+                <a:uLnTx/>
+                <a:uFillTx/>
+                <a:latin typeface="Univia Pro Regular" panose="00000500000000000000" pitchFamily="50" charset="0"/>
+                <a:ea typeface="Open Sans" panose="020B0606030504020204" pitchFamily="34" charset="0"/>
+                <a:cs typeface="Open Sans" panose="020B0606030504020204" pitchFamily="34" charset="0"/>
+              </a:rPr>
+              <a:t>this</a:t>
+            </a:r>
+            <a:r>
+              <a:rPr kumimoji="0" lang="de-DE" sz="1200" b="0" i="0" u="none" strike="noStrike" kern="1200" cap="none" spc="0" normalizeH="0" baseline="0" noProof="0" dirty="0">
+                <a:ln>
+                  <a:noFill/>
+                </a:ln>
+                <a:solidFill>
+                  <a:prstClr val="white"/>
+                </a:solidFill>
+                <a:effectLst/>
+                <a:uLnTx/>
+                <a:uFillTx/>
+                <a:latin typeface="Univia Pro Regular" panose="00000500000000000000" pitchFamily="50" charset="0"/>
+                <a:ea typeface="Open Sans" panose="020B0606030504020204" pitchFamily="34" charset="0"/>
+                <a:cs typeface="Open Sans" panose="020B0606030504020204" pitchFamily="34" charset="0"/>
+              </a:rPr>
+              <a:t> </a:t>
+            </a:r>
+            <a:r>
+              <a:rPr kumimoji="0" lang="de-DE" sz="1200" b="0" i="0" u="none" strike="noStrike" kern="1200" cap="none" spc="0" normalizeH="0" baseline="0" noProof="0" dirty="0" err="1">
+                <a:ln>
+                  <a:noFill/>
+                </a:ln>
+                <a:solidFill>
+                  <a:prstClr val="white"/>
+                </a:solidFill>
+                <a:effectLst/>
+                <a:uLnTx/>
+                <a:uFillTx/>
+                <a:latin typeface="Univia Pro Regular" panose="00000500000000000000" pitchFamily="50" charset="0"/>
+                <a:ea typeface="Open Sans" panose="020B0606030504020204" pitchFamily="34" charset="0"/>
+                <a:cs typeface="Open Sans" panose="020B0606030504020204" pitchFamily="34" charset="0"/>
+              </a:rPr>
+              <a:t>for</a:t>
+            </a:r>
+            <a:r>
+              <a:rPr kumimoji="0" lang="de-DE" sz="1200" b="0" i="0" u="none" strike="noStrike" kern="1200" cap="none" spc="0" normalizeH="0" baseline="0" noProof="0" dirty="0">
+                <a:ln>
+                  <a:noFill/>
+                </a:ln>
+                <a:solidFill>
+                  <a:prstClr val="white"/>
+                </a:solidFill>
+                <a:effectLst/>
+                <a:uLnTx/>
+                <a:uFillTx/>
+                <a:latin typeface="Univia Pro Regular" panose="00000500000000000000" pitchFamily="50" charset="0"/>
+                <a:ea typeface="Open Sans" panose="020B0606030504020204" pitchFamily="34" charset="0"/>
+                <a:cs typeface="Open Sans" panose="020B0606030504020204" pitchFamily="34" charset="0"/>
+              </a:rPr>
+              <a:t>?</a:t>
+            </a:r>
+          </a:p>
+        </p:txBody>
+      </p:sp>
+      <p:pic>
+        <p:nvPicPr>
+          <p:cNvPr id="31" name="Grafik 30">
+            <a:extLst>
+              <a:ext uri="{FF2B5EF4-FFF2-40B4-BE49-F238E27FC236}">
+                <a16:creationId xmlns:a16="http://schemas.microsoft.com/office/drawing/2014/main" id="{480EE8C7-690A-434B-9965-F4160CA6F83D}"/>
+              </a:ext>
+            </a:extLst>
+          </p:cNvPr>
+          <p:cNvPicPr>
+            <a:picLocks noChangeAspect="1"/>
+          </p:cNvPicPr>
+          <p:nvPr/>
+        </p:nvPicPr>
+        <p:blipFill>
+          <a:blip r:embed="rId5">
+            <a:extLst>
+              <a:ext uri="{28A0092B-C50C-407E-A947-70E740481C1C}">
+                <a14:useLocalDpi xmlns:a14="http://schemas.microsoft.com/office/drawing/2010/main" val="0"/>
+              </a:ext>
+              <a:ext uri="{96DAC541-7B7A-43D3-8B79-37D633B846F1}">
+                <asvg:svgBlip xmlns:asvg="http://schemas.microsoft.com/office/drawing/2016/SVG/main" r:embed="rId6"/>
+              </a:ext>
+            </a:extLst>
+          </a:blip>
+          <a:stretch>
+            <a:fillRect/>
+          </a:stretch>
+        </p:blipFill>
+        <p:spPr>
+          <a:xfrm>
+            <a:off x="7883279" y="2321375"/>
+            <a:ext cx="529835" cy="529835"/>
+          </a:xfrm>
+          <a:prstGeom prst="rect">
+            <a:avLst/>
+          </a:prstGeom>
+        </p:spPr>
+      </p:pic>
+      <p:sp>
+        <p:nvSpPr>
+          <p:cNvPr id="32" name="Textfeld 31">
+            <a:extLst>
+              <a:ext uri="{FF2B5EF4-FFF2-40B4-BE49-F238E27FC236}">
+                <a16:creationId xmlns:a16="http://schemas.microsoft.com/office/drawing/2014/main" id="{1CAEAA8E-D898-7E47-31FF-11E6CE870179}"/>
+              </a:ext>
+            </a:extLst>
+          </p:cNvPr>
+          <p:cNvSpPr txBox="1"/>
+          <p:nvPr/>
+        </p:nvSpPr>
+        <p:spPr>
+          <a:xfrm>
+            <a:off x="7223262" y="2950747"/>
+            <a:ext cx="1849870" cy="423449"/>
+          </a:xfrm>
+          <a:prstGeom prst="rect">
+            <a:avLst/>
+          </a:prstGeom>
+          <a:noFill/>
+        </p:spPr>
+        <p:txBody>
+          <a:bodyPr wrap="square">
+            <a:spAutoFit/>
+          </a:bodyPr>
+          <a:lstStyle/>
+          <a:p>
+            <a:pPr algn="ctr">
+              <a:lnSpc>
+                <a:spcPct val="150000"/>
+              </a:lnSpc>
+            </a:pPr>
+            <a:r>
+              <a:rPr kumimoji="0" lang="de-DE" sz="1600" b="0" i="0" u="none" strike="noStrike" kern="1200" cap="none" spc="0" normalizeH="0" baseline="0" noProof="0" dirty="0" err="1">
+                <a:ln>
+                  <a:noFill/>
+                </a:ln>
+                <a:solidFill>
+                  <a:prstClr val="white"/>
+                </a:solidFill>
+                <a:effectLst/>
+                <a:uLnTx/>
+                <a:uFillTx/>
+                <a:latin typeface="Univia Pro Regular" panose="00000500000000000000" pitchFamily="50" charset="0"/>
+                <a:ea typeface="Open Sans" panose="020B0606030504020204" pitchFamily="34" charset="0"/>
+                <a:cs typeface="Open Sans" panose="020B0606030504020204" pitchFamily="34" charset="0"/>
+              </a:rPr>
+              <a:t>Wait</a:t>
+            </a:r>
+            <a:r>
+              <a:rPr kumimoji="0" lang="de-DE" sz="1600" b="0" i="0" u="none" strike="noStrike" kern="1200" cap="none" spc="0" normalizeH="0" baseline="0" noProof="0" dirty="0">
+                <a:ln>
+                  <a:noFill/>
+                </a:ln>
+                <a:solidFill>
+                  <a:prstClr val="white"/>
+                </a:solidFill>
+                <a:effectLst/>
+                <a:uLnTx/>
+                <a:uFillTx/>
+                <a:latin typeface="Univia Pro Regular" panose="00000500000000000000" pitchFamily="50" charset="0"/>
+                <a:ea typeface="Open Sans" panose="020B0606030504020204" pitchFamily="34" charset="0"/>
+                <a:cs typeface="Open Sans" panose="020B0606030504020204" pitchFamily="34" charset="0"/>
+              </a:rPr>
+              <a:t> </a:t>
+            </a:r>
+            <a:r>
+              <a:rPr kumimoji="0" lang="de-DE" sz="1600" b="0" i="0" u="none" strike="noStrike" kern="1200" cap="none" spc="0" normalizeH="0" baseline="0" noProof="0" dirty="0" err="1">
+                <a:ln>
+                  <a:noFill/>
+                </a:ln>
+                <a:solidFill>
+                  <a:prstClr val="white"/>
+                </a:solidFill>
+                <a:effectLst/>
+                <a:uLnTx/>
+                <a:uFillTx/>
+                <a:latin typeface="Univia Pro Regular" panose="00000500000000000000" pitchFamily="50" charset="0"/>
+                <a:ea typeface="Open Sans" panose="020B0606030504020204" pitchFamily="34" charset="0"/>
+                <a:cs typeface="Open Sans" panose="020B0606030504020204" pitchFamily="34" charset="0"/>
+              </a:rPr>
+              <a:t>till</a:t>
+            </a:r>
+            <a:r>
+              <a:rPr kumimoji="0" lang="de-DE" sz="1600" b="0" i="0" u="none" strike="noStrike" kern="1200" cap="none" spc="0" normalizeH="0" baseline="0" noProof="0" dirty="0">
+                <a:ln>
+                  <a:noFill/>
+                </a:ln>
+                <a:solidFill>
+                  <a:prstClr val="white"/>
+                </a:solidFill>
+                <a:effectLst/>
+                <a:uLnTx/>
+                <a:uFillTx/>
+                <a:latin typeface="Univia Pro Regular" panose="00000500000000000000" pitchFamily="50" charset="0"/>
+                <a:ea typeface="Open Sans" panose="020B0606030504020204" pitchFamily="34" charset="0"/>
+                <a:cs typeface="Open Sans" panose="020B0606030504020204" pitchFamily="34" charset="0"/>
+              </a:rPr>
+              <a:t> </a:t>
+            </a:r>
+            <a:r>
+              <a:rPr kumimoji="0" lang="de-DE" sz="1600" b="0" i="0" u="none" strike="noStrike" kern="1200" cap="none" spc="0" normalizeH="0" baseline="0" noProof="0" dirty="0" err="1">
+                <a:ln>
+                  <a:noFill/>
+                </a:ln>
+                <a:solidFill>
+                  <a:prstClr val="white"/>
+                </a:solidFill>
+                <a:effectLst/>
+                <a:uLnTx/>
+                <a:uFillTx/>
+                <a:latin typeface="Univia Pro Regular" panose="00000500000000000000" pitchFamily="50" charset="0"/>
+                <a:ea typeface="Open Sans" panose="020B0606030504020204" pitchFamily="34" charset="0"/>
+                <a:cs typeface="Open Sans" panose="020B0606030504020204" pitchFamily="34" charset="0"/>
+              </a:rPr>
+              <a:t>its</a:t>
+            </a:r>
+            <a:r>
+              <a:rPr kumimoji="0" lang="de-DE" sz="1600" b="0" i="0" u="none" strike="noStrike" kern="1200" cap="none" spc="0" normalizeH="0" baseline="0" noProof="0" dirty="0">
+                <a:ln>
+                  <a:noFill/>
+                </a:ln>
+                <a:solidFill>
+                  <a:prstClr val="white"/>
+                </a:solidFill>
+                <a:effectLst/>
+                <a:uLnTx/>
+                <a:uFillTx/>
+                <a:latin typeface="Univia Pro Regular" panose="00000500000000000000" pitchFamily="50" charset="0"/>
+                <a:ea typeface="Open Sans" panose="020B0606030504020204" pitchFamily="34" charset="0"/>
+                <a:cs typeface="Open Sans" panose="020B0606030504020204" pitchFamily="34" charset="0"/>
+              </a:rPr>
+              <a:t> </a:t>
+            </a:r>
+            <a:r>
+              <a:rPr kumimoji="0" lang="de-DE" sz="1600" b="0" i="0" u="none" strike="noStrike" kern="1200" cap="none" spc="0" normalizeH="0" baseline="0" noProof="0" dirty="0" err="1">
+                <a:ln>
+                  <a:noFill/>
+                </a:ln>
+                <a:solidFill>
+                  <a:prstClr val="white"/>
+                </a:solidFill>
+                <a:effectLst/>
+                <a:uLnTx/>
+                <a:uFillTx/>
+                <a:latin typeface="Univia Pro Regular" panose="00000500000000000000" pitchFamily="50" charset="0"/>
+                <a:ea typeface="Open Sans" panose="020B0606030504020204" pitchFamily="34" charset="0"/>
+                <a:cs typeface="Open Sans" panose="020B0606030504020204" pitchFamily="34" charset="0"/>
+              </a:rPr>
+              <a:t>ready</a:t>
+            </a:r>
+            <a:endParaRPr kumimoji="0" lang="de-DE" sz="1600" b="0" i="0" u="none" strike="noStrike" kern="1200" cap="none" spc="0" normalizeH="0" baseline="0" noProof="0" dirty="0">
+              <a:ln>
+                <a:noFill/>
+              </a:ln>
+              <a:solidFill>
+                <a:prstClr val="white"/>
+              </a:solidFill>
+              <a:effectLst/>
+              <a:uLnTx/>
+              <a:uFillTx/>
+              <a:latin typeface="Univia Pro Regular" panose="00000500000000000000" pitchFamily="50" charset="0"/>
+              <a:ea typeface="Open Sans" panose="020B0606030504020204" pitchFamily="34" charset="0"/>
+              <a:cs typeface="Open Sans" panose="020B0606030504020204" pitchFamily="34" charset="0"/>
+            </a:endParaRPr>
+          </a:p>
+        </p:txBody>
+      </p:sp>
+      <p:sp>
+        <p:nvSpPr>
+          <p:cNvPr id="33" name="Textfeld 32">
+            <a:extLst>
+              <a:ext uri="{FF2B5EF4-FFF2-40B4-BE49-F238E27FC236}">
+                <a16:creationId xmlns:a16="http://schemas.microsoft.com/office/drawing/2014/main" id="{1492F951-6CB5-D37E-334E-BD27EE38092A}"/>
+              </a:ext>
+            </a:extLst>
+          </p:cNvPr>
+          <p:cNvSpPr txBox="1"/>
+          <p:nvPr/>
+        </p:nvSpPr>
+        <p:spPr>
+          <a:xfrm>
+            <a:off x="7223262" y="3374196"/>
+            <a:ext cx="1849870" cy="894732"/>
+          </a:xfrm>
+          <a:prstGeom prst="rect">
+            <a:avLst/>
+          </a:prstGeom>
+          <a:noFill/>
+        </p:spPr>
+        <p:txBody>
+          <a:bodyPr wrap="square">
+            <a:spAutoFit/>
+          </a:bodyPr>
+          <a:lstStyle/>
+          <a:p>
+            <a:pPr algn="ctr">
+              <a:lnSpc>
+                <a:spcPct val="150000"/>
+              </a:lnSpc>
+            </a:pPr>
+            <a:r>
+              <a:rPr kumimoji="0" lang="de-DE" sz="1200" b="0" i="0" u="none" strike="noStrike" kern="1200" cap="none" spc="0" normalizeH="0" baseline="0" noProof="0" dirty="0" err="1">
+                <a:ln>
+                  <a:noFill/>
+                </a:ln>
+                <a:solidFill>
+                  <a:prstClr val="white"/>
+                </a:solidFill>
+                <a:effectLst/>
+                <a:uLnTx/>
+                <a:uFillTx/>
+                <a:latin typeface="Univia Pro Regular" panose="00000500000000000000" pitchFamily="50" charset="0"/>
+                <a:ea typeface="Open Sans" panose="020B0606030504020204" pitchFamily="34" charset="0"/>
+                <a:cs typeface="Open Sans" panose="020B0606030504020204" pitchFamily="34" charset="0"/>
+              </a:rPr>
+              <a:t>Don‘t</a:t>
+            </a:r>
+            <a:r>
+              <a:rPr kumimoji="0" lang="de-DE" sz="1200" b="0" i="0" u="none" strike="noStrike" kern="1200" cap="none" spc="0" normalizeH="0" baseline="0" noProof="0" dirty="0">
+                <a:ln>
+                  <a:noFill/>
+                </a:ln>
+                <a:solidFill>
+                  <a:prstClr val="white"/>
+                </a:solidFill>
+                <a:effectLst/>
+                <a:uLnTx/>
+                <a:uFillTx/>
+                <a:latin typeface="Univia Pro Regular" panose="00000500000000000000" pitchFamily="50" charset="0"/>
+                <a:ea typeface="Open Sans" panose="020B0606030504020204" pitchFamily="34" charset="0"/>
+                <a:cs typeface="Open Sans" panose="020B0606030504020204" pitchFamily="34" charset="0"/>
+              </a:rPr>
+              <a:t> jump on </a:t>
+            </a:r>
+            <a:r>
+              <a:rPr kumimoji="0" lang="de-DE" sz="1200" b="0" i="0" u="none" strike="noStrike" kern="1200" cap="none" spc="0" normalizeH="0" baseline="0" noProof="0" dirty="0" err="1">
+                <a:ln>
+                  <a:noFill/>
+                </a:ln>
+                <a:solidFill>
+                  <a:prstClr val="white"/>
+                </a:solidFill>
+                <a:effectLst/>
+                <a:uLnTx/>
+                <a:uFillTx/>
+                <a:latin typeface="Univia Pro Regular" panose="00000500000000000000" pitchFamily="50" charset="0"/>
+                <a:ea typeface="Open Sans" panose="020B0606030504020204" pitchFamily="34" charset="0"/>
+                <a:cs typeface="Open Sans" panose="020B0606030504020204" pitchFamily="34" charset="0"/>
+              </a:rPr>
+              <a:t>new</a:t>
+            </a:r>
+            <a:r>
+              <a:rPr kumimoji="0" lang="de-DE" sz="1200" b="0" i="0" u="none" strike="noStrike" kern="1200" cap="none" spc="0" normalizeH="0" baseline="0" noProof="0" dirty="0">
+                <a:ln>
+                  <a:noFill/>
+                </a:ln>
+                <a:solidFill>
+                  <a:prstClr val="white"/>
+                </a:solidFill>
+                <a:effectLst/>
+                <a:uLnTx/>
+                <a:uFillTx/>
+                <a:latin typeface="Univia Pro Regular" panose="00000500000000000000" pitchFamily="50" charset="0"/>
+                <a:ea typeface="Open Sans" panose="020B0606030504020204" pitchFamily="34" charset="0"/>
+                <a:cs typeface="Open Sans" panose="020B0606030504020204" pitchFamily="34" charset="0"/>
+              </a:rPr>
+              <a:t> </a:t>
+            </a:r>
+            <a:r>
+              <a:rPr kumimoji="0" lang="de-DE" sz="1200" b="0" i="0" u="none" strike="noStrike" kern="1200" cap="none" spc="0" normalizeH="0" baseline="0" noProof="0" dirty="0" err="1">
+                <a:ln>
+                  <a:noFill/>
+                </a:ln>
+                <a:solidFill>
+                  <a:prstClr val="white"/>
+                </a:solidFill>
+                <a:effectLst/>
+                <a:uLnTx/>
+                <a:uFillTx/>
+                <a:latin typeface="Univia Pro Regular" panose="00000500000000000000" pitchFamily="50" charset="0"/>
+                <a:ea typeface="Open Sans" panose="020B0606030504020204" pitchFamily="34" charset="0"/>
+                <a:cs typeface="Open Sans" panose="020B0606030504020204" pitchFamily="34" charset="0"/>
+              </a:rPr>
+              <a:t>stuff</a:t>
+            </a:r>
+            <a:r>
+              <a:rPr kumimoji="0" lang="de-DE" sz="1200" b="0" i="0" u="none" strike="noStrike" kern="1200" cap="none" spc="0" normalizeH="0" baseline="0" noProof="0" dirty="0">
+                <a:ln>
+                  <a:noFill/>
+                </a:ln>
+                <a:solidFill>
+                  <a:prstClr val="white"/>
+                </a:solidFill>
+                <a:effectLst/>
+                <a:uLnTx/>
+                <a:uFillTx/>
+                <a:latin typeface="Univia Pro Regular" panose="00000500000000000000" pitchFamily="50" charset="0"/>
+                <a:ea typeface="Open Sans" panose="020B0606030504020204" pitchFamily="34" charset="0"/>
+                <a:cs typeface="Open Sans" panose="020B0606030504020204" pitchFamily="34" charset="0"/>
+              </a:rPr>
+              <a:t> </a:t>
+            </a:r>
+            <a:r>
+              <a:rPr kumimoji="0" lang="de-DE" sz="1200" b="0" i="0" u="none" strike="noStrike" kern="1200" cap="none" spc="0" normalizeH="0" baseline="0" noProof="0" dirty="0" err="1">
+                <a:ln>
+                  <a:noFill/>
+                </a:ln>
+                <a:solidFill>
+                  <a:prstClr val="white"/>
+                </a:solidFill>
+                <a:effectLst/>
+                <a:uLnTx/>
+                <a:uFillTx/>
+                <a:latin typeface="Univia Pro Regular" panose="00000500000000000000" pitchFamily="50" charset="0"/>
+                <a:ea typeface="Open Sans" panose="020B0606030504020204" pitchFamily="34" charset="0"/>
+                <a:cs typeface="Open Sans" panose="020B0606030504020204" pitchFamily="34" charset="0"/>
+              </a:rPr>
+              <a:t>straight</a:t>
+            </a:r>
+            <a:r>
+              <a:rPr kumimoji="0" lang="de-DE" sz="1200" b="0" i="0" u="none" strike="noStrike" kern="1200" cap="none" spc="0" normalizeH="0" baseline="0" noProof="0" dirty="0">
+                <a:ln>
+                  <a:noFill/>
+                </a:ln>
+                <a:solidFill>
+                  <a:prstClr val="white"/>
+                </a:solidFill>
+                <a:effectLst/>
+                <a:uLnTx/>
+                <a:uFillTx/>
+                <a:latin typeface="Univia Pro Regular" panose="00000500000000000000" pitchFamily="50" charset="0"/>
+                <a:ea typeface="Open Sans" panose="020B0606030504020204" pitchFamily="34" charset="0"/>
+                <a:cs typeface="Open Sans" panose="020B0606030504020204" pitchFamily="34" charset="0"/>
+              </a:rPr>
+              <a:t> </a:t>
+            </a:r>
+            <a:r>
+              <a:rPr kumimoji="0" lang="de-DE" sz="1200" b="0" i="0" u="none" strike="noStrike" kern="1200" cap="none" spc="0" normalizeH="0" baseline="0" noProof="0" dirty="0" err="1">
+                <a:ln>
+                  <a:noFill/>
+                </a:ln>
+                <a:solidFill>
+                  <a:prstClr val="white"/>
+                </a:solidFill>
+                <a:effectLst/>
+                <a:uLnTx/>
+                <a:uFillTx/>
+                <a:latin typeface="Univia Pro Regular" panose="00000500000000000000" pitchFamily="50" charset="0"/>
+                <a:ea typeface="Open Sans" panose="020B0606030504020204" pitchFamily="34" charset="0"/>
+                <a:cs typeface="Open Sans" panose="020B0606030504020204" pitchFamily="34" charset="0"/>
+              </a:rPr>
+              <a:t>away</a:t>
+            </a:r>
+            <a:r>
+              <a:rPr kumimoji="0" lang="de-DE" sz="1200" b="0" i="0" u="none" strike="noStrike" kern="1200" cap="none" spc="0" normalizeH="0" baseline="0" noProof="0" dirty="0">
+                <a:ln>
+                  <a:noFill/>
+                </a:ln>
+                <a:solidFill>
+                  <a:prstClr val="white"/>
+                </a:solidFill>
+                <a:effectLst/>
+                <a:uLnTx/>
+                <a:uFillTx/>
+                <a:latin typeface="Univia Pro Regular" panose="00000500000000000000" pitchFamily="50" charset="0"/>
+                <a:ea typeface="Open Sans" panose="020B0606030504020204" pitchFamily="34" charset="0"/>
+                <a:cs typeface="Open Sans" panose="020B0606030504020204" pitchFamily="34" charset="0"/>
+              </a:rPr>
+              <a:t>, </a:t>
+            </a:r>
+            <a:r>
+              <a:rPr kumimoji="0" lang="de-DE" sz="1200" b="0" i="0" u="none" strike="noStrike" kern="1200" cap="none" spc="0" normalizeH="0" baseline="0" noProof="0" dirty="0" err="1">
+                <a:ln>
+                  <a:noFill/>
+                </a:ln>
+                <a:solidFill>
+                  <a:prstClr val="white"/>
+                </a:solidFill>
+                <a:effectLst/>
+                <a:uLnTx/>
+                <a:uFillTx/>
+                <a:latin typeface="Univia Pro Regular" panose="00000500000000000000" pitchFamily="50" charset="0"/>
+                <a:ea typeface="Open Sans" panose="020B0606030504020204" pitchFamily="34" charset="0"/>
+                <a:cs typeface="Open Sans" panose="020B0606030504020204" pitchFamily="34" charset="0"/>
+              </a:rPr>
+              <a:t>it</a:t>
+            </a:r>
+            <a:r>
+              <a:rPr kumimoji="0" lang="de-DE" sz="1200" b="0" i="0" u="none" strike="noStrike" kern="1200" cap="none" spc="0" normalizeH="0" baseline="0" noProof="0" dirty="0">
+                <a:ln>
+                  <a:noFill/>
+                </a:ln>
+                <a:solidFill>
+                  <a:prstClr val="white"/>
+                </a:solidFill>
+                <a:effectLst/>
+                <a:uLnTx/>
+                <a:uFillTx/>
+                <a:latin typeface="Univia Pro Regular" panose="00000500000000000000" pitchFamily="50" charset="0"/>
+                <a:ea typeface="Open Sans" panose="020B0606030504020204" pitchFamily="34" charset="0"/>
+                <a:cs typeface="Open Sans" panose="020B0606030504020204" pitchFamily="34" charset="0"/>
+              </a:rPr>
+              <a:t> </a:t>
+            </a:r>
+            <a:r>
+              <a:rPr kumimoji="0" lang="de-DE" sz="1200" b="0" i="0" u="none" strike="noStrike" kern="1200" cap="none" spc="0" normalizeH="0" baseline="0" noProof="0" dirty="0" err="1">
+                <a:ln>
+                  <a:noFill/>
+                </a:ln>
+                <a:solidFill>
+                  <a:prstClr val="white"/>
+                </a:solidFill>
+                <a:effectLst/>
+                <a:uLnTx/>
+                <a:uFillTx/>
+                <a:latin typeface="Univia Pro Regular" panose="00000500000000000000" pitchFamily="50" charset="0"/>
+                <a:ea typeface="Open Sans" panose="020B0606030504020204" pitchFamily="34" charset="0"/>
+                <a:cs typeface="Open Sans" panose="020B0606030504020204" pitchFamily="34" charset="0"/>
+              </a:rPr>
+              <a:t>more</a:t>
+            </a:r>
+            <a:r>
+              <a:rPr kumimoji="0" lang="de-DE" sz="1200" b="0" i="0" u="none" strike="noStrike" kern="1200" cap="none" spc="0" normalizeH="0" baseline="0" noProof="0" dirty="0">
+                <a:ln>
+                  <a:noFill/>
+                </a:ln>
+                <a:solidFill>
+                  <a:prstClr val="white"/>
+                </a:solidFill>
+                <a:effectLst/>
+                <a:uLnTx/>
+                <a:uFillTx/>
+                <a:latin typeface="Univia Pro Regular" panose="00000500000000000000" pitchFamily="50" charset="0"/>
+                <a:ea typeface="Open Sans" panose="020B0606030504020204" pitchFamily="34" charset="0"/>
+                <a:cs typeface="Open Sans" panose="020B0606030504020204" pitchFamily="34" charset="0"/>
+              </a:rPr>
+              <a:t> </a:t>
+            </a:r>
+            <a:r>
+              <a:rPr kumimoji="0" lang="de-DE" sz="1200" b="0" i="0" u="none" strike="noStrike" kern="1200" cap="none" spc="0" normalizeH="0" baseline="0" noProof="0" dirty="0" err="1">
+                <a:ln>
+                  <a:noFill/>
+                </a:ln>
+                <a:solidFill>
+                  <a:prstClr val="white"/>
+                </a:solidFill>
+                <a:effectLst/>
+                <a:uLnTx/>
+                <a:uFillTx/>
+                <a:latin typeface="Univia Pro Regular" panose="00000500000000000000" pitchFamily="50" charset="0"/>
+                <a:ea typeface="Open Sans" panose="020B0606030504020204" pitchFamily="34" charset="0"/>
+                <a:cs typeface="Open Sans" panose="020B0606030504020204" pitchFamily="34" charset="0"/>
+              </a:rPr>
+              <a:t>than</a:t>
+            </a:r>
+            <a:r>
+              <a:rPr kumimoji="0" lang="de-DE" sz="1200" b="0" i="0" u="none" strike="noStrike" kern="1200" cap="none" spc="0" normalizeH="0" baseline="0" noProof="0" dirty="0">
+                <a:ln>
+                  <a:noFill/>
+                </a:ln>
+                <a:solidFill>
+                  <a:prstClr val="white"/>
+                </a:solidFill>
+                <a:effectLst/>
+                <a:uLnTx/>
+                <a:uFillTx/>
+                <a:latin typeface="Univia Pro Regular" panose="00000500000000000000" pitchFamily="50" charset="0"/>
+                <a:ea typeface="Open Sans" panose="020B0606030504020204" pitchFamily="34" charset="0"/>
+                <a:cs typeface="Open Sans" panose="020B0606030504020204" pitchFamily="34" charset="0"/>
+              </a:rPr>
+              <a:t> </a:t>
+            </a:r>
+            <a:r>
+              <a:rPr kumimoji="0" lang="de-DE" sz="1200" b="0" i="0" u="none" strike="noStrike" kern="1200" cap="none" spc="0" normalizeH="0" baseline="0" noProof="0" dirty="0" err="1">
+                <a:ln>
+                  <a:noFill/>
+                </a:ln>
+                <a:solidFill>
+                  <a:prstClr val="white"/>
+                </a:solidFill>
+                <a:effectLst/>
+                <a:uLnTx/>
+                <a:uFillTx/>
+                <a:latin typeface="Univia Pro Regular" panose="00000500000000000000" pitchFamily="50" charset="0"/>
+                <a:ea typeface="Open Sans" panose="020B0606030504020204" pitchFamily="34" charset="0"/>
+                <a:cs typeface="Open Sans" panose="020B0606030504020204" pitchFamily="34" charset="0"/>
+              </a:rPr>
+              <a:t>likely</a:t>
+            </a:r>
+            <a:r>
+              <a:rPr kumimoji="0" lang="de-DE" sz="1200" b="0" i="0" u="none" strike="noStrike" kern="1200" cap="none" spc="0" normalizeH="0" baseline="0" noProof="0" dirty="0">
+                <a:ln>
+                  <a:noFill/>
+                </a:ln>
+                <a:solidFill>
+                  <a:prstClr val="white"/>
+                </a:solidFill>
+                <a:effectLst/>
+                <a:uLnTx/>
+                <a:uFillTx/>
+                <a:latin typeface="Univia Pro Regular" panose="00000500000000000000" pitchFamily="50" charset="0"/>
+                <a:ea typeface="Open Sans" panose="020B0606030504020204" pitchFamily="34" charset="0"/>
+                <a:cs typeface="Open Sans" panose="020B0606030504020204" pitchFamily="34" charset="0"/>
+              </a:rPr>
+              <a:t> </a:t>
+            </a:r>
+            <a:r>
+              <a:rPr kumimoji="0" lang="de-DE" sz="1200" b="0" i="0" u="none" strike="noStrike" kern="1200" cap="none" spc="0" normalizeH="0" baseline="0" noProof="0" dirty="0" err="1">
+                <a:ln>
+                  <a:noFill/>
+                </a:ln>
+                <a:solidFill>
+                  <a:prstClr val="white"/>
+                </a:solidFill>
+                <a:effectLst/>
+                <a:uLnTx/>
+                <a:uFillTx/>
+                <a:latin typeface="Univia Pro Regular" panose="00000500000000000000" pitchFamily="50" charset="0"/>
+                <a:ea typeface="Open Sans" panose="020B0606030504020204" pitchFamily="34" charset="0"/>
+                <a:cs typeface="Open Sans" panose="020B0606030504020204" pitchFamily="34" charset="0"/>
+              </a:rPr>
+              <a:t>slows</a:t>
+            </a:r>
+            <a:r>
+              <a:rPr kumimoji="0" lang="de-DE" sz="1200" b="0" i="0" u="none" strike="noStrike" kern="1200" cap="none" spc="0" normalizeH="0" baseline="0" noProof="0" dirty="0">
+                <a:ln>
+                  <a:noFill/>
+                </a:ln>
+                <a:solidFill>
+                  <a:prstClr val="white"/>
+                </a:solidFill>
+                <a:effectLst/>
+                <a:uLnTx/>
+                <a:uFillTx/>
+                <a:latin typeface="Univia Pro Regular" panose="00000500000000000000" pitchFamily="50" charset="0"/>
+                <a:ea typeface="Open Sans" panose="020B0606030504020204" pitchFamily="34" charset="0"/>
+                <a:cs typeface="Open Sans" panose="020B0606030504020204" pitchFamily="34" charset="0"/>
+              </a:rPr>
+              <a:t> </a:t>
+            </a:r>
+            <a:r>
+              <a:rPr kumimoji="0" lang="de-DE" sz="1200" b="0" i="0" u="none" strike="noStrike" kern="1200" cap="none" spc="0" normalizeH="0" baseline="0" noProof="0" dirty="0" err="1">
+                <a:ln>
+                  <a:noFill/>
+                </a:ln>
+                <a:solidFill>
+                  <a:prstClr val="white"/>
+                </a:solidFill>
+                <a:effectLst/>
+                <a:uLnTx/>
+                <a:uFillTx/>
+                <a:latin typeface="Univia Pro Regular" panose="00000500000000000000" pitchFamily="50" charset="0"/>
+                <a:ea typeface="Open Sans" panose="020B0606030504020204" pitchFamily="34" charset="0"/>
+                <a:cs typeface="Open Sans" panose="020B0606030504020204" pitchFamily="34" charset="0"/>
+              </a:rPr>
+              <a:t>your</a:t>
+            </a:r>
+            <a:r>
+              <a:rPr kumimoji="0" lang="de-DE" sz="1200" b="0" i="0" u="none" strike="noStrike" kern="1200" cap="none" spc="0" normalizeH="0" baseline="0" noProof="0" dirty="0">
+                <a:ln>
+                  <a:noFill/>
+                </a:ln>
+                <a:solidFill>
+                  <a:prstClr val="white"/>
+                </a:solidFill>
+                <a:effectLst/>
+                <a:uLnTx/>
+                <a:uFillTx/>
+                <a:latin typeface="Univia Pro Regular" panose="00000500000000000000" pitchFamily="50" charset="0"/>
+                <a:ea typeface="Open Sans" panose="020B0606030504020204" pitchFamily="34" charset="0"/>
+                <a:cs typeface="Open Sans" panose="020B0606030504020204" pitchFamily="34" charset="0"/>
+              </a:rPr>
+              <a:t> </a:t>
+            </a:r>
+            <a:r>
+              <a:rPr kumimoji="0" lang="de-DE" sz="1200" b="0" i="0" u="none" strike="noStrike" kern="1200" cap="none" spc="0" normalizeH="0" baseline="0" noProof="0" dirty="0" err="1">
+                <a:ln>
+                  <a:noFill/>
+                </a:ln>
+                <a:solidFill>
+                  <a:prstClr val="white"/>
+                </a:solidFill>
+                <a:effectLst/>
+                <a:uLnTx/>
+                <a:uFillTx/>
+                <a:latin typeface="Univia Pro Regular" panose="00000500000000000000" pitchFamily="50" charset="0"/>
+                <a:ea typeface="Open Sans" panose="020B0606030504020204" pitchFamily="34" charset="0"/>
+                <a:cs typeface="Open Sans" panose="020B0606030504020204" pitchFamily="34" charset="0"/>
+              </a:rPr>
+              <a:t>progress</a:t>
+            </a:r>
+            <a:endParaRPr kumimoji="0" lang="de-DE" sz="1200" b="0" i="0" u="none" strike="noStrike" kern="1200" cap="none" spc="0" normalizeH="0" baseline="0" noProof="0" dirty="0">
+              <a:ln>
+                <a:noFill/>
+              </a:ln>
+              <a:solidFill>
+                <a:prstClr val="white"/>
+              </a:solidFill>
+              <a:effectLst/>
+              <a:uLnTx/>
+              <a:uFillTx/>
+              <a:latin typeface="Univia Pro Regular" panose="00000500000000000000" pitchFamily="50" charset="0"/>
+              <a:ea typeface="Open Sans" panose="020B0606030504020204" pitchFamily="34" charset="0"/>
+              <a:cs typeface="Open Sans" panose="020B0606030504020204" pitchFamily="34" charset="0"/>
+            </a:endParaRPr>
+          </a:p>
+        </p:txBody>
+      </p:sp>
+      <p:sp>
+        <p:nvSpPr>
+          <p:cNvPr id="35" name="Textfeld 34">
+            <a:extLst>
+              <a:ext uri="{FF2B5EF4-FFF2-40B4-BE49-F238E27FC236}">
+                <a16:creationId xmlns:a16="http://schemas.microsoft.com/office/drawing/2014/main" id="{847AF3AA-6950-B7B1-AE3A-5757908EE45A}"/>
+              </a:ext>
+            </a:extLst>
+          </p:cNvPr>
+          <p:cNvSpPr txBox="1"/>
+          <p:nvPr/>
+        </p:nvSpPr>
+        <p:spPr>
+          <a:xfrm>
+            <a:off x="5057994" y="1760944"/>
+            <a:ext cx="1849870" cy="1334211"/>
+          </a:xfrm>
+          <a:prstGeom prst="rect">
+            <a:avLst/>
+          </a:prstGeom>
+          <a:noFill/>
+        </p:spPr>
+        <p:txBody>
+          <a:bodyPr wrap="square">
+            <a:spAutoFit/>
+          </a:bodyPr>
+          <a:lstStyle/>
+          <a:p>
+            <a:pPr algn="ctr">
+              <a:lnSpc>
+                <a:spcPct val="150000"/>
+              </a:lnSpc>
+            </a:pPr>
+            <a:r>
+              <a:rPr kumimoji="0" lang="de-DE" sz="6000" b="0" i="0" u="none" strike="noStrike" kern="1200" cap="none" spc="0" normalizeH="0" baseline="0" noProof="0" dirty="0">
+                <a:ln>
+                  <a:noFill/>
+                </a:ln>
+                <a:solidFill>
+                  <a:prstClr val="white"/>
+                </a:solidFill>
+                <a:effectLst/>
+                <a:uLnTx/>
+                <a:uFillTx/>
+                <a:latin typeface="Univia Pro Regular" panose="00000500000000000000" pitchFamily="50" charset="0"/>
+                <a:ea typeface="Open Sans" panose="020B0606030504020204" pitchFamily="34" charset="0"/>
+                <a:cs typeface="Open Sans" panose="020B0606030504020204" pitchFamily="34" charset="0"/>
+              </a:rPr>
+              <a:t>!?</a:t>
             </a:r>
           </a:p>
         </p:txBody>
@@ -5325,6 +7326,342 @@
       </p:transition>
     </mc:Fallback>
   </mc:AlternateContent>
+  <p:timing>
+    <p:tnLst>
+      <p:par>
+        <p:cTn id="1" dur="indefinite" restart="never" nodeType="tmRoot">
+          <p:childTnLst>
+            <p:seq concurrent="1" nextAc="seek">
+              <p:cTn id="2" dur="indefinite" nodeType="mainSeq">
+                <p:childTnLst>
+                  <p:par>
+                    <p:cTn id="3" fill="hold">
+                      <p:stCondLst>
+                        <p:cond delay="indefinite"/>
+                      </p:stCondLst>
+                      <p:childTnLst>
+                        <p:par>
+                          <p:cTn id="4" fill="hold">
+                            <p:stCondLst>
+                              <p:cond delay="0"/>
+                            </p:stCondLst>
+                            <p:childTnLst>
+                              <p:par>
+                                <p:cTn id="5" presetID="1" presetClass="entr" presetSubtype="0" fill="hold" nodeType="clickEffect">
+                                  <p:stCondLst>
+                                    <p:cond delay="0"/>
+                                  </p:stCondLst>
+                                  <p:childTnLst>
+                                    <p:set>
+                                      <p:cBhvr>
+                                        <p:cTn id="6" dur="1" fill="hold">
+                                          <p:stCondLst>
+                                            <p:cond delay="0"/>
+                                          </p:stCondLst>
+                                        </p:cTn>
+                                        <p:tgtEl>
+                                          <p:spTgt spid="5"/>
+                                        </p:tgtEl>
+                                        <p:attrNameLst>
+                                          <p:attrName>style.visibility</p:attrName>
+                                        </p:attrNameLst>
+                                      </p:cBhvr>
+                                      <p:to>
+                                        <p:strVal val="visible"/>
+                                      </p:to>
+                                    </p:set>
+                                  </p:childTnLst>
+                                </p:cTn>
+                              </p:par>
+                              <p:par>
+                                <p:cTn id="7" presetID="1" presetClass="entr" presetSubtype="0" fill="hold" grpId="0" nodeType="withEffect">
+                                  <p:stCondLst>
+                                    <p:cond delay="0"/>
+                                  </p:stCondLst>
+                                  <p:childTnLst>
+                                    <p:set>
+                                      <p:cBhvr>
+                                        <p:cTn id="8" dur="1" fill="hold">
+                                          <p:stCondLst>
+                                            <p:cond delay="0"/>
+                                          </p:stCondLst>
+                                        </p:cTn>
+                                        <p:tgtEl>
+                                          <p:spTgt spid="24"/>
+                                        </p:tgtEl>
+                                        <p:attrNameLst>
+                                          <p:attrName>style.visibility</p:attrName>
+                                        </p:attrNameLst>
+                                      </p:cBhvr>
+                                      <p:to>
+                                        <p:strVal val="visible"/>
+                                      </p:to>
+                                    </p:set>
+                                  </p:childTnLst>
+                                </p:cTn>
+                              </p:par>
+                              <p:par>
+                                <p:cTn id="9" presetID="1" presetClass="entr" presetSubtype="0" fill="hold" grpId="0" nodeType="withEffect">
+                                  <p:stCondLst>
+                                    <p:cond delay="0"/>
+                                  </p:stCondLst>
+                                  <p:childTnLst>
+                                    <p:set>
+                                      <p:cBhvr>
+                                        <p:cTn id="10" dur="1" fill="hold">
+                                          <p:stCondLst>
+                                            <p:cond delay="0"/>
+                                          </p:stCondLst>
+                                        </p:cTn>
+                                        <p:tgtEl>
+                                          <p:spTgt spid="26"/>
+                                        </p:tgtEl>
+                                        <p:attrNameLst>
+                                          <p:attrName>style.visibility</p:attrName>
+                                        </p:attrNameLst>
+                                      </p:cBhvr>
+                                      <p:to>
+                                        <p:strVal val="visible"/>
+                                      </p:to>
+                                    </p:set>
+                                  </p:childTnLst>
+                                </p:cTn>
+                              </p:par>
+                            </p:childTnLst>
+                          </p:cTn>
+                        </p:par>
+                      </p:childTnLst>
+                    </p:cTn>
+                  </p:par>
+                  <p:par>
+                    <p:cTn id="11" fill="hold">
+                      <p:stCondLst>
+                        <p:cond delay="indefinite"/>
+                      </p:stCondLst>
+                      <p:childTnLst>
+                        <p:par>
+                          <p:cTn id="12" fill="hold">
+                            <p:stCondLst>
+                              <p:cond delay="0"/>
+                            </p:stCondLst>
+                            <p:childTnLst>
+                              <p:par>
+                                <p:cTn id="13" presetID="1" presetClass="entr" presetSubtype="0" fill="hold" grpId="0" nodeType="clickEffect">
+                                  <p:stCondLst>
+                                    <p:cond delay="0"/>
+                                  </p:stCondLst>
+                                  <p:childTnLst>
+                                    <p:set>
+                                      <p:cBhvr>
+                                        <p:cTn id="14" dur="1" fill="hold">
+                                          <p:stCondLst>
+                                            <p:cond delay="0"/>
+                                          </p:stCondLst>
+                                        </p:cTn>
+                                        <p:tgtEl>
+                                          <p:spTgt spid="28"/>
+                                        </p:tgtEl>
+                                        <p:attrNameLst>
+                                          <p:attrName>style.visibility</p:attrName>
+                                        </p:attrNameLst>
+                                      </p:cBhvr>
+                                      <p:to>
+                                        <p:strVal val="visible"/>
+                                      </p:to>
+                                    </p:set>
+                                  </p:childTnLst>
+                                </p:cTn>
+                              </p:par>
+                              <p:par>
+                                <p:cTn id="15" presetID="1" presetClass="entr" presetSubtype="0" fill="hold" grpId="0" nodeType="withEffect">
+                                  <p:stCondLst>
+                                    <p:cond delay="0"/>
+                                  </p:stCondLst>
+                                  <p:childTnLst>
+                                    <p:set>
+                                      <p:cBhvr>
+                                        <p:cTn id="16" dur="1" fill="hold">
+                                          <p:stCondLst>
+                                            <p:cond delay="0"/>
+                                          </p:stCondLst>
+                                        </p:cTn>
+                                        <p:tgtEl>
+                                          <p:spTgt spid="29"/>
+                                        </p:tgtEl>
+                                        <p:attrNameLst>
+                                          <p:attrName>style.visibility</p:attrName>
+                                        </p:attrNameLst>
+                                      </p:cBhvr>
+                                      <p:to>
+                                        <p:strVal val="visible"/>
+                                      </p:to>
+                                    </p:set>
+                                  </p:childTnLst>
+                                </p:cTn>
+                              </p:par>
+                              <p:par>
+                                <p:cTn id="17" presetID="1" presetClass="entr" presetSubtype="0" fill="hold" grpId="0" nodeType="withEffect">
+                                  <p:stCondLst>
+                                    <p:cond delay="0"/>
+                                  </p:stCondLst>
+                                  <p:childTnLst>
+                                    <p:set>
+                                      <p:cBhvr>
+                                        <p:cTn id="18" dur="1" fill="hold">
+                                          <p:stCondLst>
+                                            <p:cond delay="0"/>
+                                          </p:stCondLst>
+                                        </p:cTn>
+                                        <p:tgtEl>
+                                          <p:spTgt spid="35"/>
+                                        </p:tgtEl>
+                                        <p:attrNameLst>
+                                          <p:attrName>style.visibility</p:attrName>
+                                        </p:attrNameLst>
+                                      </p:cBhvr>
+                                      <p:to>
+                                        <p:strVal val="visible"/>
+                                      </p:to>
+                                    </p:set>
+                                  </p:childTnLst>
+                                </p:cTn>
+                              </p:par>
+                            </p:childTnLst>
+                          </p:cTn>
+                        </p:par>
+                      </p:childTnLst>
+                    </p:cTn>
+                  </p:par>
+                  <p:par>
+                    <p:cTn id="19" fill="hold">
+                      <p:stCondLst>
+                        <p:cond delay="indefinite"/>
+                      </p:stCondLst>
+                      <p:childTnLst>
+                        <p:par>
+                          <p:cTn id="20" fill="hold">
+                            <p:stCondLst>
+                              <p:cond delay="0"/>
+                            </p:stCondLst>
+                            <p:childTnLst>
+                              <p:par>
+                                <p:cTn id="21" presetID="1" presetClass="entr" presetSubtype="0" fill="hold" nodeType="clickEffect">
+                                  <p:stCondLst>
+                                    <p:cond delay="0"/>
+                                  </p:stCondLst>
+                                  <p:childTnLst>
+                                    <p:set>
+                                      <p:cBhvr>
+                                        <p:cTn id="22" dur="1" fill="hold">
+                                          <p:stCondLst>
+                                            <p:cond delay="0"/>
+                                          </p:stCondLst>
+                                        </p:cTn>
+                                        <p:tgtEl>
+                                          <p:spTgt spid="31"/>
+                                        </p:tgtEl>
+                                        <p:attrNameLst>
+                                          <p:attrName>style.visibility</p:attrName>
+                                        </p:attrNameLst>
+                                      </p:cBhvr>
+                                      <p:to>
+                                        <p:strVal val="visible"/>
+                                      </p:to>
+                                    </p:set>
+                                  </p:childTnLst>
+                                </p:cTn>
+                              </p:par>
+                              <p:par>
+                                <p:cTn id="23" presetID="1" presetClass="entr" presetSubtype="0" fill="hold" grpId="0" nodeType="withEffect">
+                                  <p:stCondLst>
+                                    <p:cond delay="0"/>
+                                  </p:stCondLst>
+                                  <p:childTnLst>
+                                    <p:set>
+                                      <p:cBhvr>
+                                        <p:cTn id="24" dur="1" fill="hold">
+                                          <p:stCondLst>
+                                            <p:cond delay="0"/>
+                                          </p:stCondLst>
+                                        </p:cTn>
+                                        <p:tgtEl>
+                                          <p:spTgt spid="32"/>
+                                        </p:tgtEl>
+                                        <p:attrNameLst>
+                                          <p:attrName>style.visibility</p:attrName>
+                                        </p:attrNameLst>
+                                      </p:cBhvr>
+                                      <p:to>
+                                        <p:strVal val="visible"/>
+                                      </p:to>
+                                    </p:set>
+                                  </p:childTnLst>
+                                </p:cTn>
+                              </p:par>
+                              <p:par>
+                                <p:cTn id="25" presetID="1" presetClass="entr" presetSubtype="0" fill="hold" grpId="0" nodeType="withEffect">
+                                  <p:stCondLst>
+                                    <p:cond delay="0"/>
+                                  </p:stCondLst>
+                                  <p:childTnLst>
+                                    <p:set>
+                                      <p:cBhvr>
+                                        <p:cTn id="26" dur="1" fill="hold">
+                                          <p:stCondLst>
+                                            <p:cond delay="0"/>
+                                          </p:stCondLst>
+                                        </p:cTn>
+                                        <p:tgtEl>
+                                          <p:spTgt spid="33"/>
+                                        </p:tgtEl>
+                                        <p:attrNameLst>
+                                          <p:attrName>style.visibility</p:attrName>
+                                        </p:attrNameLst>
+                                      </p:cBhvr>
+                                      <p:to>
+                                        <p:strVal val="visible"/>
+                                      </p:to>
+                                    </p:set>
+                                  </p:childTnLst>
+                                </p:cTn>
+                              </p:par>
+                            </p:childTnLst>
+                          </p:cTn>
+                        </p:par>
+                      </p:childTnLst>
+                    </p:cTn>
+                  </p:par>
+                </p:childTnLst>
+              </p:cTn>
+              <p:prevCondLst>
+                <p:cond evt="onPrev" delay="0">
+                  <p:tgtEl>
+                    <p:sldTgt/>
+                  </p:tgtEl>
+                </p:cond>
+              </p:prevCondLst>
+              <p:nextCondLst>
+                <p:cond evt="onNext" delay="0">
+                  <p:tgtEl>
+                    <p:sldTgt/>
+                  </p:tgtEl>
+                </p:cond>
+              </p:nextCondLst>
+            </p:seq>
+          </p:childTnLst>
+        </p:cTn>
+      </p:par>
+    </p:tnLst>
+    <p:bldLst>
+      <p:bldP spid="24" grpId="0"/>
+      <p:bldP spid="26" grpId="0"/>
+      <p:bldP spid="28" grpId="0"/>
+      <p:bldP spid="29" grpId="0"/>
+      <p:bldP spid="32" grpId="0"/>
+      <p:bldP spid="33" grpId="0"/>
+      <p:bldP spid="35" grpId="0"/>
+    </p:bldLst>
+  </p:timing>
 </p:sld>
 </file>
 
@@ -5347,62 +7684,10 @@
       </p:grpSpPr>
       <p:sp>
         <p:nvSpPr>
-          <p:cNvPr id="10" name="Rectangle 9">
-            <a:extLst>
-              <a:ext uri="{FF2B5EF4-FFF2-40B4-BE49-F238E27FC236}">
-                <a16:creationId xmlns:a16="http://schemas.microsoft.com/office/drawing/2014/main" id="{08B3911F-1412-9D6E-C797-44E6268B3C8D}"/>
-              </a:ext>
-            </a:extLst>
-          </p:cNvPr>
-          <p:cNvSpPr/>
-          <p:nvPr/>
-        </p:nvSpPr>
-        <p:spPr>
-          <a:xfrm>
-            <a:off x="3087705" y="2216727"/>
-            <a:ext cx="1956241" cy="1406477"/>
-          </a:xfrm>
-          <a:prstGeom prst="rect">
-            <a:avLst/>
-          </a:prstGeom>
-          <a:noFill/>
-          <a:ln>
-            <a:solidFill>
-              <a:srgbClr val="EA5B0C"/>
-            </a:solidFill>
-          </a:ln>
-        </p:spPr>
-        <p:style>
-          <a:lnRef idx="2">
-            <a:schemeClr val="accent3">
-              <a:shade val="50000"/>
-            </a:schemeClr>
-          </a:lnRef>
-          <a:fillRef idx="1">
-            <a:schemeClr val="accent3"/>
-          </a:fillRef>
-          <a:effectRef idx="0">
-            <a:schemeClr val="accent3"/>
-          </a:effectRef>
-          <a:fontRef idx="minor">
-            <a:schemeClr val="lt1"/>
-          </a:fontRef>
-        </p:style>
-        <p:txBody>
-          <a:bodyPr rtlCol="0" anchor="ctr"/>
-          <a:lstStyle/>
-          <a:p>
-            <a:pPr algn="ctr"/>
-            <a:endParaRPr lang="de-DE"/>
-          </a:p>
-        </p:txBody>
-      </p:sp>
-      <p:sp>
-        <p:nvSpPr>
           <p:cNvPr id="2" name="Titel 1">
             <a:extLst>
               <a:ext uri="{FF2B5EF4-FFF2-40B4-BE49-F238E27FC236}">
-                <a16:creationId xmlns:a16="http://schemas.microsoft.com/office/drawing/2014/main" id="{C2EA6B75-ECF2-4EDD-9EB5-6FEEFF8D79C2}"/>
+                <a16:creationId xmlns:a16="http://schemas.microsoft.com/office/drawing/2014/main" id="{1F26F830-BBB5-4D4B-8896-7FAFB0FF7FD9}"/>
               </a:ext>
             </a:extLst>
           </p:cNvPr>
@@ -5415,7 +7700,7 @@
         </p:nvSpPr>
         <p:spPr>
           <a:xfrm>
-            <a:off x="902855" y="874887"/>
+            <a:off x="725129" y="795044"/>
             <a:ext cx="10515600" cy="679573"/>
           </a:xfrm>
         </p:spPr>
@@ -5425,19 +7710,27 @@
           <a:p>
             <a:r>
               <a:rPr lang="de-DE" dirty="0"/>
-              <a:t>Things </a:t>
+              <a:t>Something </a:t>
             </a:r>
             <a:r>
               <a:rPr lang="de-DE" dirty="0" err="1"/>
-              <a:t>most</a:t>
-            </a:r>
-            <a:r>
-              <a:rPr lang="de-DE" dirty="0"/>
-              <a:t> Apps </a:t>
+              <a:t>to</a:t>
+            </a:r>
+            <a:r>
+              <a:rPr lang="de-DE" dirty="0"/>
+              <a:t> </a:t>
             </a:r>
             <a:r>
               <a:rPr lang="de-DE" dirty="0" err="1"/>
-              <a:t>need</a:t>
+              <a:t>take</a:t>
+            </a:r>
+            <a:r>
+              <a:rPr lang="de-DE" dirty="0"/>
+              <a:t> </a:t>
+            </a:r>
+            <a:r>
+              <a:rPr lang="de-DE" dirty="0" err="1"/>
+              <a:t>away</a:t>
             </a:r>
             <a:endParaRPr lang="de-DE" dirty="0"/>
           </a:p>
@@ -5445,513 +7738,177 @@
       </p:sp>
       <p:sp>
         <p:nvSpPr>
-          <p:cNvPr id="5" name="Textfeld 4">
+          <p:cNvPr id="12" name="Titel 1">
             <a:extLst>
               <a:ext uri="{FF2B5EF4-FFF2-40B4-BE49-F238E27FC236}">
-                <a16:creationId xmlns:a16="http://schemas.microsoft.com/office/drawing/2014/main" id="{5CA04ED5-43E3-4EEE-BD2D-4CCB6AD52B14}"/>
+                <a16:creationId xmlns:a16="http://schemas.microsoft.com/office/drawing/2014/main" id="{07F2DC29-0CA9-680E-D366-40E88104AC26}"/>
               </a:ext>
             </a:extLst>
           </p:cNvPr>
-          <p:cNvSpPr txBox="1"/>
+          <p:cNvSpPr txBox="1">
+            <a:spLocks/>
+          </p:cNvSpPr>
           <p:nvPr/>
         </p:nvSpPr>
         <p:spPr>
           <a:xfrm>
-            <a:off x="3125119" y="1709641"/>
-            <a:ext cx="2024074" cy="464871"/>
-          </a:xfrm>
-          <a:prstGeom prst="rect">
-            <a:avLst/>
-          </a:prstGeom>
-          <a:noFill/>
-        </p:spPr>
-        <p:txBody>
-          <a:bodyPr wrap="square">
-            <a:spAutoFit/>
-          </a:bodyPr>
-          <a:lstStyle/>
-          <a:p>
-            <a:pPr algn="ctr">
-              <a:lnSpc>
-                <a:spcPct val="150000"/>
-              </a:lnSpc>
-            </a:pPr>
-            <a:r>
-              <a:rPr lang="de-DE" dirty="0">
-                <a:solidFill>
-                  <a:prstClr val="white"/>
-                </a:solidFill>
-                <a:latin typeface="Univia Pro Regular" panose="00000500000000000000" pitchFamily="50" charset="0"/>
-                <a:ea typeface="Open Sans" panose="020B0606030504020204" pitchFamily="34" charset="0"/>
-                <a:cs typeface="Open Sans" panose="020B0606030504020204" pitchFamily="34" charset="0"/>
-              </a:rPr>
-              <a:t>Backend</a:t>
-            </a:r>
-            <a:endParaRPr kumimoji="0" lang="de-DE" b="0" i="0" u="none" strike="noStrike" kern="1200" cap="none" spc="0" normalizeH="0" baseline="0" noProof="0" dirty="0">
-              <a:ln>
-                <a:noFill/>
-              </a:ln>
-              <a:solidFill>
-                <a:prstClr val="white"/>
-              </a:solidFill>
-              <a:effectLst/>
-              <a:uLnTx/>
-              <a:uFillTx/>
-              <a:latin typeface="Univia Pro Regular" panose="00000500000000000000" pitchFamily="50" charset="0"/>
-              <a:ea typeface="Open Sans" panose="020B0606030504020204" pitchFamily="34" charset="0"/>
-              <a:cs typeface="Open Sans" panose="020B0606030504020204" pitchFamily="34" charset="0"/>
-            </a:endParaRPr>
-          </a:p>
-        </p:txBody>
-      </p:sp>
-      <p:sp>
-        <p:nvSpPr>
-          <p:cNvPr id="9" name="Textfeld 8">
-            <a:extLst>
-              <a:ext uri="{FF2B5EF4-FFF2-40B4-BE49-F238E27FC236}">
-                <a16:creationId xmlns:a16="http://schemas.microsoft.com/office/drawing/2014/main" id="{BA186C8F-72E9-46F7-AA73-81CDA3629E65}"/>
-              </a:ext>
-            </a:extLst>
-          </p:cNvPr>
-          <p:cNvSpPr txBox="1"/>
-          <p:nvPr/>
-        </p:nvSpPr>
-        <p:spPr>
-          <a:xfrm>
-            <a:off x="7020669" y="1709641"/>
-            <a:ext cx="1849870" cy="464871"/>
-          </a:xfrm>
-          <a:prstGeom prst="rect">
-            <a:avLst/>
-          </a:prstGeom>
-          <a:noFill/>
-        </p:spPr>
-        <p:txBody>
-          <a:bodyPr wrap="square">
-            <a:spAutoFit/>
-          </a:bodyPr>
-          <a:lstStyle/>
-          <a:p>
-            <a:pPr algn="ctr">
-              <a:lnSpc>
-                <a:spcPct val="150000"/>
-              </a:lnSpc>
-            </a:pPr>
-            <a:r>
-              <a:rPr lang="de-DE" dirty="0">
-                <a:solidFill>
-                  <a:prstClr val="white"/>
-                </a:solidFill>
-                <a:latin typeface="Univia Pro Regular" panose="00000500000000000000" pitchFamily="50" charset="0"/>
-                <a:ea typeface="Open Sans" panose="020B0606030504020204" pitchFamily="34" charset="0"/>
-                <a:cs typeface="Open Sans" panose="020B0606030504020204" pitchFamily="34" charset="0"/>
-              </a:rPr>
-              <a:t>Client</a:t>
-            </a:r>
-            <a:endParaRPr kumimoji="0" lang="de-DE" b="0" i="0" u="none" strike="noStrike" kern="1200" cap="none" spc="0" normalizeH="0" baseline="0" noProof="0" dirty="0">
-              <a:ln>
-                <a:noFill/>
-              </a:ln>
-              <a:solidFill>
-                <a:prstClr val="white"/>
-              </a:solidFill>
-              <a:effectLst/>
-              <a:uLnTx/>
-              <a:uFillTx/>
-              <a:latin typeface="Univia Pro Regular" panose="00000500000000000000" pitchFamily="50" charset="0"/>
-              <a:ea typeface="Open Sans" panose="020B0606030504020204" pitchFamily="34" charset="0"/>
-              <a:cs typeface="Open Sans" panose="020B0606030504020204" pitchFamily="34" charset="0"/>
-            </a:endParaRPr>
-          </a:p>
-        </p:txBody>
-      </p:sp>
-      <p:sp>
-        <p:nvSpPr>
-          <p:cNvPr id="13" name="Textfeld 12">
-            <a:extLst>
-              <a:ext uri="{FF2B5EF4-FFF2-40B4-BE49-F238E27FC236}">
-                <a16:creationId xmlns:a16="http://schemas.microsoft.com/office/drawing/2014/main" id="{A281ED4F-ABF1-44E0-A052-860FCCCF8B8C}"/>
-              </a:ext>
-            </a:extLst>
-          </p:cNvPr>
-          <p:cNvSpPr txBox="1"/>
-          <p:nvPr/>
-        </p:nvSpPr>
-        <p:spPr>
-          <a:xfrm>
-            <a:off x="5043946" y="1709641"/>
-            <a:ext cx="1849870" cy="464871"/>
-          </a:xfrm>
-          <a:prstGeom prst="rect">
-            <a:avLst/>
-          </a:prstGeom>
-          <a:noFill/>
-        </p:spPr>
-        <p:txBody>
-          <a:bodyPr wrap="square">
-            <a:spAutoFit/>
-          </a:bodyPr>
-          <a:lstStyle/>
-          <a:p>
-            <a:pPr algn="ctr">
-              <a:lnSpc>
-                <a:spcPct val="150000"/>
-              </a:lnSpc>
-            </a:pPr>
-            <a:r>
-              <a:rPr lang="de-DE" dirty="0">
-                <a:solidFill>
-                  <a:prstClr val="white"/>
-                </a:solidFill>
-                <a:latin typeface="Univia Pro Regular" panose="00000500000000000000" pitchFamily="50" charset="0"/>
-                <a:ea typeface="Open Sans" panose="020B0606030504020204" pitchFamily="34" charset="0"/>
-                <a:cs typeface="Open Sans" panose="020B0606030504020204" pitchFamily="34" charset="0"/>
-              </a:rPr>
-              <a:t>API</a:t>
-            </a:r>
-            <a:endParaRPr kumimoji="0" lang="de-DE" b="0" i="0" u="none" strike="noStrike" kern="1200" cap="none" spc="0" normalizeH="0" baseline="0" noProof="0" dirty="0">
-              <a:ln>
-                <a:noFill/>
-              </a:ln>
-              <a:solidFill>
-                <a:prstClr val="white"/>
-              </a:solidFill>
-              <a:effectLst/>
-              <a:uLnTx/>
-              <a:uFillTx/>
-              <a:latin typeface="Univia Pro Regular" panose="00000500000000000000" pitchFamily="50" charset="0"/>
-              <a:ea typeface="Open Sans" panose="020B0606030504020204" pitchFamily="34" charset="0"/>
-              <a:cs typeface="Open Sans" panose="020B0606030504020204" pitchFamily="34" charset="0"/>
-            </a:endParaRPr>
-          </a:p>
-        </p:txBody>
-      </p:sp>
-      <p:pic>
-        <p:nvPicPr>
-          <p:cNvPr id="4" name="Grafik 18" descr="Datenbank">
-            <a:extLst>
-              <a:ext uri="{FF2B5EF4-FFF2-40B4-BE49-F238E27FC236}">
-                <a16:creationId xmlns:a16="http://schemas.microsoft.com/office/drawing/2014/main" id="{0D961B72-51D5-25C1-3477-1B871BC7FCA9}"/>
-              </a:ext>
-            </a:extLst>
-          </p:cNvPr>
-          <p:cNvPicPr>
-            <a:picLocks noChangeAspect="1"/>
-          </p:cNvPicPr>
-          <p:nvPr/>
-        </p:nvPicPr>
-        <p:blipFill>
-          <a:blip r:embed="rId2">
-            <a:extLst>
-              <a:ext uri="{28A0092B-C50C-407E-A947-70E740481C1C}">
-                <a14:useLocalDpi xmlns:a14="http://schemas.microsoft.com/office/drawing/2010/main" val="0"/>
-              </a:ext>
-              <a:ext uri="{96DAC541-7B7A-43D3-8B79-37D633B846F1}">
-                <asvg:svgBlip xmlns:asvg="http://schemas.microsoft.com/office/drawing/2016/SVG/main" r:embed="rId3"/>
-              </a:ext>
-            </a:extLst>
-          </a:blip>
-          <a:stretch>
-            <a:fillRect/>
-          </a:stretch>
-        </p:blipFill>
-        <p:spPr>
-          <a:xfrm>
-            <a:off x="3738551" y="2629393"/>
-            <a:ext cx="581143" cy="581143"/>
+            <a:off x="838200" y="3297465"/>
+            <a:ext cx="10515600" cy="679573"/>
           </a:xfrm>
           <a:prstGeom prst="rect">
             <a:avLst/>
           </a:prstGeom>
         </p:spPr>
-      </p:pic>
-      <p:pic>
-        <p:nvPicPr>
-          <p:cNvPr id="8" name="Picture 2" descr="Angular">
-            <a:extLst>
-              <a:ext uri="{FF2B5EF4-FFF2-40B4-BE49-F238E27FC236}">
-                <a16:creationId xmlns:a16="http://schemas.microsoft.com/office/drawing/2014/main" id="{C721D636-D1FB-A08A-565E-A7261D2E8428}"/>
-              </a:ext>
-            </a:extLst>
-          </p:cNvPr>
-          <p:cNvPicPr>
-            <a:picLocks noChangeAspect="1" noChangeArrowheads="1"/>
-          </p:cNvPicPr>
-          <p:nvPr/>
-        </p:nvPicPr>
-        <p:blipFill>
-          <a:blip r:embed="rId4">
-            <a:alphaModFix amt="80000"/>
-            <a:extLst>
-              <a:ext uri="{28A0092B-C50C-407E-A947-70E740481C1C}">
-                <a14:useLocalDpi xmlns:a14="http://schemas.microsoft.com/office/drawing/2010/main" val="0"/>
-              </a:ext>
-            </a:extLst>
-          </a:blip>
-          <a:srcRect/>
-          <a:stretch>
-            <a:fillRect/>
-          </a:stretch>
-        </p:blipFill>
-        <p:spPr bwMode="auto">
-          <a:xfrm>
-            <a:off x="7781720" y="2694940"/>
-            <a:ext cx="327767" cy="327767"/>
-          </a:xfrm>
-          <a:prstGeom prst="rect">
-            <a:avLst/>
-          </a:prstGeom>
-          <a:noFill/>
-          <a:extLst>
-            <a:ext uri="{909E8E84-426E-40DD-AFC4-6F175D3DCCD1}">
-              <a14:hiddenFill xmlns:a14="http://schemas.microsoft.com/office/drawing/2010/main">
-                <a:solidFill>
-                  <a:srgbClr val="FFFFFF"/>
-                </a:solidFill>
-              </a14:hiddenFill>
-            </a:ext>
-          </a:extLst>
-        </p:spPr>
-      </p:pic>
-      <p:sp>
-        <p:nvSpPr>
-          <p:cNvPr id="14" name="Rectangle 13">
-            <a:extLst>
-              <a:ext uri="{FF2B5EF4-FFF2-40B4-BE49-F238E27FC236}">
-                <a16:creationId xmlns:a16="http://schemas.microsoft.com/office/drawing/2014/main" id="{D2DA06C3-1FD0-7925-189A-2BBA3DDB1E89}"/>
-              </a:ext>
-            </a:extLst>
-          </p:cNvPr>
-          <p:cNvSpPr/>
-          <p:nvPr/>
-        </p:nvSpPr>
-        <p:spPr>
-          <a:xfrm>
-            <a:off x="5255151" y="2195073"/>
-            <a:ext cx="1429038" cy="1406477"/>
-          </a:xfrm>
-          <a:prstGeom prst="rect">
-            <a:avLst/>
-          </a:prstGeom>
-          <a:noFill/>
-          <a:ln>
-            <a:solidFill>
-              <a:srgbClr val="EA5B0C"/>
-            </a:solidFill>
-          </a:ln>
-        </p:spPr>
-        <p:style>
-          <a:lnRef idx="2">
-            <a:schemeClr val="accent3">
-              <a:shade val="50000"/>
-            </a:schemeClr>
-          </a:lnRef>
-          <a:fillRef idx="1">
-            <a:schemeClr val="accent3"/>
-          </a:fillRef>
-          <a:effectRef idx="0">
-            <a:schemeClr val="accent3"/>
-          </a:effectRef>
-          <a:fontRef idx="minor">
-            <a:schemeClr val="lt1"/>
-          </a:fontRef>
-        </p:style>
         <p:txBody>
-          <a:bodyPr rtlCol="0" anchor="ctr"/>
-          <a:lstStyle/>
+          <a:bodyPr/>
+          <a:lstStyle>
+            <a:lvl1pPr algn="l" defTabSz="914400" rtl="0" eaLnBrk="1" latinLnBrk="0" hangingPunct="1">
+              <a:lnSpc>
+                <a:spcPct val="90000"/>
+              </a:lnSpc>
+              <a:spcBef>
+                <a:spcPct val="0"/>
+              </a:spcBef>
+              <a:buNone/>
+              <a:defRPr sz="3200" kern="1200">
+                <a:solidFill>
+                  <a:schemeClr val="tx1"/>
+                </a:solidFill>
+                <a:latin typeface="Univia Pro Regular" panose="00000500000000000000" pitchFamily="50" charset="0"/>
+                <a:ea typeface="+mj-ea"/>
+                <a:cs typeface="+mj-cs"/>
+              </a:defRPr>
+            </a:lvl1pPr>
+          </a:lstStyle>
           <a:p>
             <a:pPr algn="ctr"/>
-            <a:endParaRPr lang="de-DE"/>
-          </a:p>
-        </p:txBody>
-      </p:sp>
-      <p:sp>
-        <p:nvSpPr>
-          <p:cNvPr id="18" name="Rectangle 17">
-            <a:extLst>
-              <a:ext uri="{FF2B5EF4-FFF2-40B4-BE49-F238E27FC236}">
-                <a16:creationId xmlns:a16="http://schemas.microsoft.com/office/drawing/2014/main" id="{02F0A4A0-CC52-0781-96BE-E5498224F124}"/>
-              </a:ext>
-            </a:extLst>
-          </p:cNvPr>
-          <p:cNvSpPr/>
-          <p:nvPr/>
-        </p:nvSpPr>
-        <p:spPr>
-          <a:xfrm>
-            <a:off x="6914860" y="2207998"/>
-            <a:ext cx="2061488" cy="1393552"/>
-          </a:xfrm>
-          <a:prstGeom prst="rect">
-            <a:avLst/>
-          </a:prstGeom>
-          <a:noFill/>
-          <a:ln>
-            <a:solidFill>
-              <a:srgbClr val="EA5B0C"/>
-            </a:solidFill>
-          </a:ln>
-        </p:spPr>
-        <p:style>
-          <a:lnRef idx="2">
-            <a:schemeClr val="accent3">
-              <a:shade val="50000"/>
-            </a:schemeClr>
-          </a:lnRef>
-          <a:fillRef idx="1">
-            <a:schemeClr val="accent3"/>
-          </a:fillRef>
-          <a:effectRef idx="0">
-            <a:schemeClr val="accent3"/>
-          </a:effectRef>
-          <a:fontRef idx="minor">
-            <a:schemeClr val="lt1"/>
-          </a:fontRef>
-        </p:style>
-        <p:txBody>
-          <a:bodyPr rtlCol="0" anchor="ctr"/>
-          <a:lstStyle/>
-          <a:p>
-            <a:pPr algn="ctr"/>
-            <a:endParaRPr lang="de-DE"/>
-          </a:p>
-        </p:txBody>
-      </p:sp>
-      <p:sp>
-        <p:nvSpPr>
-          <p:cNvPr id="26" name="Rectangle 25">
-            <a:extLst>
-              <a:ext uri="{FF2B5EF4-FFF2-40B4-BE49-F238E27FC236}">
-                <a16:creationId xmlns:a16="http://schemas.microsoft.com/office/drawing/2014/main" id="{48C54D2F-37BA-62C9-0A61-ED334BF59452}"/>
-              </a:ext>
-            </a:extLst>
-          </p:cNvPr>
-          <p:cNvSpPr/>
-          <p:nvPr/>
-        </p:nvSpPr>
-        <p:spPr>
-          <a:xfrm>
-            <a:off x="3125119" y="4445120"/>
-            <a:ext cx="5888643" cy="1406477"/>
-          </a:xfrm>
-          <a:prstGeom prst="rect">
-            <a:avLst/>
-          </a:prstGeom>
-          <a:noFill/>
-          <a:ln>
-            <a:solidFill>
-              <a:srgbClr val="EA5B0C"/>
-            </a:solidFill>
-          </a:ln>
-        </p:spPr>
-        <p:style>
-          <a:lnRef idx="2">
-            <a:schemeClr val="accent3">
-              <a:shade val="50000"/>
-            </a:schemeClr>
-          </a:lnRef>
-          <a:fillRef idx="1">
-            <a:schemeClr val="accent3"/>
-          </a:fillRef>
-          <a:effectRef idx="0">
-            <a:schemeClr val="accent3"/>
-          </a:effectRef>
-          <a:fontRef idx="minor">
-            <a:schemeClr val="lt1"/>
-          </a:fontRef>
-        </p:style>
-        <p:txBody>
-          <a:bodyPr rtlCol="0" anchor="ctr"/>
-          <a:lstStyle/>
-          <a:p>
-            <a:pPr algn="ctr"/>
-            <a:endParaRPr lang="de-DE"/>
-          </a:p>
-        </p:txBody>
-      </p:sp>
-      <p:sp>
-        <p:nvSpPr>
-          <p:cNvPr id="30" name="Textfeld 4">
-            <a:extLst>
-              <a:ext uri="{FF2B5EF4-FFF2-40B4-BE49-F238E27FC236}">
-                <a16:creationId xmlns:a16="http://schemas.microsoft.com/office/drawing/2014/main" id="{E2FFA109-6DDA-AD05-D423-F99D12C3059F}"/>
-              </a:ext>
-            </a:extLst>
-          </p:cNvPr>
-          <p:cNvSpPr txBox="1"/>
-          <p:nvPr/>
-        </p:nvSpPr>
-        <p:spPr>
-          <a:xfrm>
-            <a:off x="4890786" y="3820600"/>
-            <a:ext cx="2024074" cy="464871"/>
-          </a:xfrm>
-          <a:prstGeom prst="rect">
-            <a:avLst/>
-          </a:prstGeom>
-          <a:noFill/>
-        </p:spPr>
-        <p:txBody>
-          <a:bodyPr wrap="square">
-            <a:spAutoFit/>
-          </a:bodyPr>
-          <a:lstStyle/>
-          <a:p>
-            <a:pPr algn="ctr">
-              <a:lnSpc>
-                <a:spcPct val="150000"/>
-              </a:lnSpc>
-            </a:pPr>
             <a:r>
               <a:rPr lang="de-DE" dirty="0">
                 <a:solidFill>
-                  <a:prstClr val="white"/>
-                </a:solidFill>
-                <a:latin typeface="Univia Pro Regular" panose="00000500000000000000" pitchFamily="50" charset="0"/>
-                <a:ea typeface="Open Sans" panose="020B0606030504020204" pitchFamily="34" charset="0"/>
-                <a:cs typeface="Open Sans" panose="020B0606030504020204" pitchFamily="34" charset="0"/>
-              </a:rPr>
-              <a:t>Hosting</a:t>
-            </a:r>
-            <a:endParaRPr kumimoji="0" lang="de-DE" b="0" i="0" u="none" strike="noStrike" kern="1200" cap="none" spc="0" normalizeH="0" baseline="0" noProof="0" dirty="0">
-              <a:ln>
-                <a:noFill/>
-              </a:ln>
-              <a:solidFill>
-                <a:prstClr val="white"/>
-              </a:solidFill>
-              <a:effectLst/>
-              <a:uLnTx/>
-              <a:uFillTx/>
-              <a:latin typeface="Univia Pro Regular" panose="00000500000000000000" pitchFamily="50" charset="0"/>
-              <a:ea typeface="Open Sans" panose="020B0606030504020204" pitchFamily="34" charset="0"/>
-              <a:cs typeface="Open Sans" panose="020B0606030504020204" pitchFamily="34" charset="0"/>
-            </a:endParaRPr>
+                  <a:schemeClr val="bg1"/>
+                </a:solidFill>
+              </a:rPr>
+              <a:t>Support open source </a:t>
+            </a:r>
+            <a:r>
+              <a:rPr lang="de-DE" dirty="0" err="1">
+                <a:solidFill>
+                  <a:schemeClr val="bg1"/>
+                </a:solidFill>
+              </a:rPr>
+              <a:t>projects</a:t>
+            </a:r>
+            <a:r>
+              <a:rPr lang="de-DE" dirty="0">
+                <a:solidFill>
+                  <a:schemeClr val="bg1"/>
+                </a:solidFill>
+              </a:rPr>
+              <a:t>!</a:t>
+            </a:r>
           </a:p>
         </p:txBody>
       </p:sp>
     </p:spTree>
     <p:extLst>
       <p:ext uri="{BB962C8B-B14F-4D97-AF65-F5344CB8AC3E}">
-        <p14:creationId xmlns:p14="http://schemas.microsoft.com/office/powerpoint/2010/main" val="3799781668"/>
+        <p14:creationId xmlns:p14="http://schemas.microsoft.com/office/powerpoint/2010/main" val="2223667304"/>
       </p:ext>
     </p:extLst>
   </p:cSld>
   <p:clrMapOvr>
     <a:masterClrMapping/>
   </p:clrMapOvr>
-  <mc:AlternateContent xmlns:mc="http://schemas.openxmlformats.org/markup-compatibility/2006" xmlns:p14="http://schemas.microsoft.com/office/powerpoint/2010/main">
-    <mc:Choice Requires="p14">
+  <mc:AlternateContent xmlns:mc="http://schemas.openxmlformats.org/markup-compatibility/2006">
+    <mc:Choice xmlns:p14="http://schemas.microsoft.com/office/powerpoint/2010/main" Requires="p14">
       <p:transition spd="med" p14:dur="700">
         <p:fade/>
       </p:transition>
     </mc:Choice>
-    <mc:Fallback xmlns="">
+    <mc:Fallback>
       <p:transition spd="med">
         <p:fade/>
       </p:transition>
     </mc:Fallback>
   </mc:AlternateContent>
+  <p:timing>
+    <p:tnLst>
+      <p:par>
+        <p:cTn id="1" dur="indefinite" restart="never" nodeType="tmRoot">
+          <p:childTnLst>
+            <p:seq concurrent="1" nextAc="seek">
+              <p:cTn id="2" dur="indefinite" nodeType="mainSeq">
+                <p:childTnLst>
+                  <p:par>
+                    <p:cTn id="3" fill="hold">
+                      <p:stCondLst>
+                        <p:cond delay="indefinite"/>
+                      </p:stCondLst>
+                      <p:childTnLst>
+                        <p:par>
+                          <p:cTn id="4" fill="hold">
+                            <p:stCondLst>
+                              <p:cond delay="0"/>
+                            </p:stCondLst>
+                            <p:childTnLst>
+                              <p:par>
+                                <p:cTn id="5" presetID="1" presetClass="entr" presetSubtype="0" fill="hold" grpId="0" nodeType="clickEffect">
+                                  <p:stCondLst>
+                                    <p:cond delay="0"/>
+                                  </p:stCondLst>
+                                  <p:childTnLst>
+                                    <p:set>
+                                      <p:cBhvr>
+                                        <p:cTn id="6" dur="1" fill="hold">
+                                          <p:stCondLst>
+                                            <p:cond delay="0"/>
+                                          </p:stCondLst>
+                                        </p:cTn>
+                                        <p:tgtEl>
+                                          <p:spTgt spid="12"/>
+                                        </p:tgtEl>
+                                        <p:attrNameLst>
+                                          <p:attrName>style.visibility</p:attrName>
+                                        </p:attrNameLst>
+                                      </p:cBhvr>
+                                      <p:to>
+                                        <p:strVal val="visible"/>
+                                      </p:to>
+                                    </p:set>
+                                  </p:childTnLst>
+                                </p:cTn>
+                              </p:par>
+                            </p:childTnLst>
+                          </p:cTn>
+                        </p:par>
+                      </p:childTnLst>
+                    </p:cTn>
+                  </p:par>
+                </p:childTnLst>
+              </p:cTn>
+              <p:prevCondLst>
+                <p:cond evt="onPrev" delay="0">
+                  <p:tgtEl>
+                    <p:sldTgt/>
+                  </p:tgtEl>
+                </p:cond>
+              </p:prevCondLst>
+              <p:nextCondLst>
+                <p:cond evt="onNext" delay="0">
+                  <p:tgtEl>
+                    <p:sldTgt/>
+                  </p:tgtEl>
+                </p:cond>
+              </p:nextCondLst>
+            </p:seq>
+          </p:childTnLst>
+        </p:cTn>
+      </p:par>
+    </p:tnLst>
+    <p:bldLst>
+      <p:bldP spid="12" grpId="0"/>
+    </p:bldLst>
+  </p:timing>
 </p:sld>
 </file>
 
@@ -6072,18 +8029,13 @@
           <a:p>
             <a:pPr algn="ctr"/>
             <a:r>
-              <a:rPr lang="de-DE">
+              <a:rPr lang="de-DE" dirty="0">
                 <a:solidFill>
                   <a:schemeClr val="bg1"/>
                 </a:solidFill>
               </a:rPr>
               <a:t>Questions?</a:t>
             </a:r>
-            <a:endParaRPr lang="de-DE" dirty="0">
-              <a:solidFill>
-                <a:schemeClr val="bg1"/>
-              </a:solidFill>
-            </a:endParaRPr>
           </a:p>
         </p:txBody>
       </p:sp>
